--- a/0925/DARPA_Meeting_0924_Cheng.pptx
+++ b/0925/DARPA_Meeting_0924_Cheng.pptx
@@ -9,14 +9,14 @@
   </p:notesMasterIdLst>
   <p:sldIdLst>
     <p:sldId id="257" r:id="rId2"/>
-    <p:sldId id="288" r:id="rId3"/>
-    <p:sldId id="278" r:id="rId4"/>
-    <p:sldId id="282" r:id="rId5"/>
-    <p:sldId id="279" r:id="rId6"/>
-    <p:sldId id="283" r:id="rId7"/>
-    <p:sldId id="286" r:id="rId8"/>
-    <p:sldId id="287" r:id="rId9"/>
-    <p:sldId id="284" r:id="rId10"/>
+    <p:sldId id="283" r:id="rId3"/>
+    <p:sldId id="288" r:id="rId4"/>
+    <p:sldId id="286" r:id="rId5"/>
+    <p:sldId id="287" r:id="rId6"/>
+    <p:sldId id="284" r:id="rId7"/>
+    <p:sldId id="278" r:id="rId8"/>
+    <p:sldId id="282" r:id="rId9"/>
+    <p:sldId id="279" r:id="rId10"/>
     <p:sldId id="275" r:id="rId11"/>
     <p:sldId id="276" r:id="rId12"/>
     <p:sldId id="277" r:id="rId13"/>
@@ -217,7 +217,7 @@
           <a:p>
             <a:fld id="{282B89DD-0D3B-5B44-B040-C035DBFE389B}" type="datetimeFigureOut">
               <a:rPr kumimoji="1" lang="zh-CN" altLang="en-US" smtClean="0"/>
-              <a:t>2025/9/23</a:t>
+              <a:t>2025/9/24</a:t>
             </a:fld>
             <a:endParaRPr kumimoji="1" lang="zh-CN" altLang="en-US"/>
           </a:p>
@@ -631,7 +631,7 @@
           <a:p>
             <a:fld id="{14A46788-D528-174A-80C2-57BD28A26B68}" type="datetimeFigureOut">
               <a:rPr kumimoji="1" lang="zh-CN" altLang="en-US" smtClean="0"/>
-              <a:t>2025/9/23</a:t>
+              <a:t>2025/9/24</a:t>
             </a:fld>
             <a:endParaRPr kumimoji="1" lang="zh-CN" altLang="en-US"/>
           </a:p>
@@ -829,7 +829,7 @@
           <a:p>
             <a:fld id="{14A46788-D528-174A-80C2-57BD28A26B68}" type="datetimeFigureOut">
               <a:rPr kumimoji="1" lang="zh-CN" altLang="en-US" smtClean="0"/>
-              <a:t>2025/9/23</a:t>
+              <a:t>2025/9/24</a:t>
             </a:fld>
             <a:endParaRPr kumimoji="1" lang="zh-CN" altLang="en-US"/>
           </a:p>
@@ -1037,7 +1037,7 @@
           <a:p>
             <a:fld id="{14A46788-D528-174A-80C2-57BD28A26B68}" type="datetimeFigureOut">
               <a:rPr kumimoji="1" lang="zh-CN" altLang="en-US" smtClean="0"/>
-              <a:t>2025/9/23</a:t>
+              <a:t>2025/9/24</a:t>
             </a:fld>
             <a:endParaRPr kumimoji="1" lang="zh-CN" altLang="en-US"/>
           </a:p>
@@ -1235,7 +1235,7 @@
           <a:p>
             <a:fld id="{14A46788-D528-174A-80C2-57BD28A26B68}" type="datetimeFigureOut">
               <a:rPr kumimoji="1" lang="zh-CN" altLang="en-US" smtClean="0"/>
-              <a:t>2025/9/23</a:t>
+              <a:t>2025/9/24</a:t>
             </a:fld>
             <a:endParaRPr kumimoji="1" lang="zh-CN" altLang="en-US"/>
           </a:p>
@@ -1510,7 +1510,7 @@
           <a:p>
             <a:fld id="{14A46788-D528-174A-80C2-57BD28A26B68}" type="datetimeFigureOut">
               <a:rPr kumimoji="1" lang="zh-CN" altLang="en-US" smtClean="0"/>
-              <a:t>2025/9/23</a:t>
+              <a:t>2025/9/24</a:t>
             </a:fld>
             <a:endParaRPr kumimoji="1" lang="zh-CN" altLang="en-US"/>
           </a:p>
@@ -1775,7 +1775,7 @@
           <a:p>
             <a:fld id="{14A46788-D528-174A-80C2-57BD28A26B68}" type="datetimeFigureOut">
               <a:rPr kumimoji="1" lang="zh-CN" altLang="en-US" smtClean="0"/>
-              <a:t>2025/9/23</a:t>
+              <a:t>2025/9/24</a:t>
             </a:fld>
             <a:endParaRPr kumimoji="1" lang="zh-CN" altLang="en-US"/>
           </a:p>
@@ -2187,7 +2187,7 @@
           <a:p>
             <a:fld id="{14A46788-D528-174A-80C2-57BD28A26B68}" type="datetimeFigureOut">
               <a:rPr kumimoji="1" lang="zh-CN" altLang="en-US" smtClean="0"/>
-              <a:t>2025/9/23</a:t>
+              <a:t>2025/9/24</a:t>
             </a:fld>
             <a:endParaRPr kumimoji="1" lang="zh-CN" altLang="en-US"/>
           </a:p>
@@ -2328,7 +2328,7 @@
           <a:p>
             <a:fld id="{14A46788-D528-174A-80C2-57BD28A26B68}" type="datetimeFigureOut">
               <a:rPr kumimoji="1" lang="zh-CN" altLang="en-US" smtClean="0"/>
-              <a:t>2025/9/23</a:t>
+              <a:t>2025/9/24</a:t>
             </a:fld>
             <a:endParaRPr kumimoji="1" lang="zh-CN" altLang="en-US"/>
           </a:p>
@@ -2441,7 +2441,7 @@
           <a:p>
             <a:fld id="{14A46788-D528-174A-80C2-57BD28A26B68}" type="datetimeFigureOut">
               <a:rPr kumimoji="1" lang="zh-CN" altLang="en-US" smtClean="0"/>
-              <a:t>2025/9/23</a:t>
+              <a:t>2025/9/24</a:t>
             </a:fld>
             <a:endParaRPr kumimoji="1" lang="zh-CN" altLang="en-US"/>
           </a:p>
@@ -2752,7 +2752,7 @@
           <a:p>
             <a:fld id="{14A46788-D528-174A-80C2-57BD28A26B68}" type="datetimeFigureOut">
               <a:rPr kumimoji="1" lang="zh-CN" altLang="en-US" smtClean="0"/>
-              <a:t>2025/9/23</a:t>
+              <a:t>2025/9/24</a:t>
             </a:fld>
             <a:endParaRPr kumimoji="1" lang="zh-CN" altLang="en-US"/>
           </a:p>
@@ -3040,7 +3040,7 @@
           <a:p>
             <a:fld id="{14A46788-D528-174A-80C2-57BD28A26B68}" type="datetimeFigureOut">
               <a:rPr kumimoji="1" lang="zh-CN" altLang="en-US" smtClean="0"/>
-              <a:t>2025/9/23</a:t>
+              <a:t>2025/9/24</a:t>
             </a:fld>
             <a:endParaRPr kumimoji="1" lang="zh-CN" altLang="en-US"/>
           </a:p>
@@ -3281,7 +3281,7 @@
           <a:p>
             <a:fld id="{14A46788-D528-174A-80C2-57BD28A26B68}" type="datetimeFigureOut">
               <a:rPr kumimoji="1" lang="zh-CN" altLang="en-US" smtClean="0"/>
-              <a:t>2025/9/23</a:t>
+              <a:t>2025/9/24</a:t>
             </a:fld>
             <a:endParaRPr kumimoji="1" lang="zh-CN" altLang="en-US"/>
           </a:p>
@@ -3738,7 +3738,7 @@
             </a:br>
             <a:r>
               <a:rPr lang="en-US" altLang="zh-TW" sz="4000" dirty="0"/>
-              <a:t>Second order methods and reinitialization</a:t>
+              <a:t>Second order methods and reinitialization on solving relaxed MIS problems</a:t>
             </a:r>
             <a:endParaRPr kumimoji="1" lang="zh-CN" altLang="en-US" sz="4000" dirty="0"/>
           </a:p>
@@ -5025,16 +5025,7 @@
           <a:p>
             <a:r>
               <a:rPr lang="en-US" altLang="zh-TW" dirty="0"/>
-              <a:t>How do we benefit from thread parallelization (Newton and L-BFGS)</a:t>
-            </a:r>
-          </a:p>
-          <a:p>
-            <a:endParaRPr lang="en-US" altLang="zh-TW" dirty="0"/>
-          </a:p>
-          <a:p>
-            <a:r>
-              <a:rPr lang="en-US" altLang="zh-TW" dirty="0"/>
-              <a:t>Run on </a:t>
+              <a:t>How do we benefit from thread parallelization (Newton and L-BFGS) </a:t>
             </a:r>
           </a:p>
           <a:p>
@@ -5085,157 +5076,6 @@
   <p:cSld>
     <p:spTree>
       <p:nvGrpSpPr>
-        <p:cNvPr id="1" name="">
-          <a:extLst>
-            <a:ext uri="{FF2B5EF4-FFF2-40B4-BE49-F238E27FC236}">
-              <a16:creationId xmlns:a16="http://schemas.microsoft.com/office/drawing/2014/main" id="{335A0CB4-7612-D435-2AF7-7A99EA9AAFF3}"/>
-            </a:ext>
-          </a:extLst>
-        </p:cNvPr>
-        <p:cNvGrpSpPr/>
-        <p:nvPr/>
-      </p:nvGrpSpPr>
-      <p:grpSpPr>
-        <a:xfrm>
-          <a:off x="0" y="0"/>
-          <a:ext cx="0" cy="0"/>
-          <a:chOff x="0" y="0"/>
-          <a:chExt cx="0" cy="0"/>
-        </a:xfrm>
-      </p:grpSpPr>
-      <p:sp>
-        <p:nvSpPr>
-          <p:cNvPr id="2" name="標題 1">
-            <a:extLst>
-              <a:ext uri="{FF2B5EF4-FFF2-40B4-BE49-F238E27FC236}">
-                <a16:creationId xmlns:a16="http://schemas.microsoft.com/office/drawing/2014/main" id="{B28C733F-B7FF-09E2-8B2E-F1D52AE03146}"/>
-              </a:ext>
-            </a:extLst>
-          </p:cNvPr>
-          <p:cNvSpPr>
-            <a:spLocks noGrp="1"/>
-          </p:cNvSpPr>
-          <p:nvPr>
-            <p:ph type="title"/>
-          </p:nvPr>
-        </p:nvSpPr>
-        <p:spPr/>
-        <p:txBody>
-          <a:bodyPr/>
-          <a:lstStyle/>
-          <a:p>
-            <a:r>
-              <a:rPr lang="en-US" altLang="zh-TW" dirty="0"/>
-              <a:t>Methods for Solving Relaxed LP for MIS</a:t>
-            </a:r>
-            <a:endParaRPr lang="zh-TW" altLang="en-US" dirty="0"/>
-          </a:p>
-        </p:txBody>
-      </p:sp>
-      <p:sp>
-        <p:nvSpPr>
-          <p:cNvPr id="3" name="內容版面配置區 2">
-            <a:extLst>
-              <a:ext uri="{FF2B5EF4-FFF2-40B4-BE49-F238E27FC236}">
-                <a16:creationId xmlns:a16="http://schemas.microsoft.com/office/drawing/2014/main" id="{F9B55072-2A86-FD77-77FE-0D87B551CF6C}"/>
-              </a:ext>
-            </a:extLst>
-          </p:cNvPr>
-          <p:cNvSpPr>
-            <a:spLocks noGrp="1"/>
-          </p:cNvSpPr>
-          <p:nvPr>
-            <p:ph idx="1"/>
-          </p:nvPr>
-        </p:nvSpPr>
-        <p:spPr/>
-        <p:txBody>
-          <a:bodyPr>
-            <a:normAutofit/>
-          </a:bodyPr>
-          <a:lstStyle/>
-          <a:p>
-            <a:r>
-              <a:rPr lang="en-US" altLang="zh-TW" dirty="0" err="1"/>
-              <a:t>pCQO</a:t>
-            </a:r>
-            <a:r>
-              <a:rPr lang="en-US" altLang="zh-TW" dirty="0"/>
-              <a:t>: Baseline for solving a relaxed continuous optimization problem with MGD and a new MIS checker to replace traditional tolerance termination condition.</a:t>
-            </a:r>
-          </a:p>
-          <a:p>
-            <a:pPr marL="0" indent="0">
-              <a:buNone/>
-            </a:pPr>
-            <a:endParaRPr lang="en-US" altLang="zh-TW" dirty="0"/>
-          </a:p>
-          <a:p>
-            <a:pPr marL="0" indent="0">
-              <a:buNone/>
-            </a:pPr>
-            <a:r>
-              <a:rPr lang="en-US" altLang="zh-TW" dirty="0"/>
-              <a:t>What we are exploring:</a:t>
-            </a:r>
-          </a:p>
-          <a:p>
-            <a:r>
-              <a:rPr lang="en-US" altLang="zh-TW" dirty="0"/>
-              <a:t>Newton: Follows the structure of </a:t>
-            </a:r>
-            <a:r>
-              <a:rPr lang="en-US" altLang="zh-TW" dirty="0" err="1"/>
-              <a:t>pCQO</a:t>
-            </a:r>
-            <a:r>
-              <a:rPr lang="en-US" altLang="zh-TW" dirty="0"/>
-              <a:t> but instead uses Newton to approach the relaxed optimization problem.</a:t>
-            </a:r>
-          </a:p>
-          <a:p>
-            <a:r>
-              <a:rPr lang="en-US" altLang="zh-TW" dirty="0"/>
-              <a:t>L-BFGS: Follows the structure of </a:t>
-            </a:r>
-            <a:r>
-              <a:rPr lang="en-US" altLang="zh-TW" dirty="0" err="1"/>
-              <a:t>pCQO</a:t>
-            </a:r>
-            <a:r>
-              <a:rPr lang="en-US" altLang="zh-TW" dirty="0"/>
-              <a:t> but instead uses </a:t>
-            </a:r>
-            <a:r>
-              <a:rPr lang="en-US" altLang="zh-TW" dirty="0" err="1"/>
-              <a:t>Scipy’s</a:t>
-            </a:r>
-            <a:r>
-              <a:rPr lang="en-US" altLang="zh-TW" dirty="0"/>
-              <a:t> L-BFGS-B to approach the relaxed optimization problem.</a:t>
-            </a:r>
-            <a:endParaRPr lang="zh-TW" altLang="en-US" dirty="0"/>
-          </a:p>
-        </p:txBody>
-      </p:sp>
-    </p:spTree>
-    <p:extLst>
-      <p:ext uri="{BB962C8B-B14F-4D97-AF65-F5344CB8AC3E}">
-        <p14:creationId xmlns:p14="http://schemas.microsoft.com/office/powerpoint/2010/main" val="2297152898"/>
-      </p:ext>
-    </p:extLst>
-  </p:cSld>
-  <p:clrMapOvr>
-    <a:masterClrMapping/>
-  </p:clrMapOvr>
-</p:sld>
-</file>
-
-<file path=ppt/slides/slide3.xml><?xml version="1.0" encoding="utf-8"?>
-<p:sld xmlns:a="http://schemas.openxmlformats.org/drawingml/2006/main" xmlns:r="http://schemas.openxmlformats.org/officeDocument/2006/relationships" xmlns:p="http://schemas.openxmlformats.org/presentationml/2006/main">
-  <p:cSld>
-    <p:spTree>
-      <p:nvGrpSpPr>
         <p:cNvPr id="1" name=""/>
         <p:cNvGrpSpPr/>
         <p:nvPr/>
@@ -5253,7 +5093,7 @@
           <p:cNvPr id="2" name="標題 1">
             <a:extLst>
               <a:ext uri="{FF2B5EF4-FFF2-40B4-BE49-F238E27FC236}">
-                <a16:creationId xmlns:a16="http://schemas.microsoft.com/office/drawing/2014/main" id="{3C56B079-E682-0BD4-E51B-6BE32BC7EB86}"/>
+                <a16:creationId xmlns:a16="http://schemas.microsoft.com/office/drawing/2014/main" id="{610247BB-C6A1-C005-F9B5-2F326A7ACC27}"/>
               </a:ext>
             </a:extLst>
           </p:cNvPr>
@@ -5271,1416 +5111,14 @@
           <a:p>
             <a:r>
               <a:rPr lang="en-US" altLang="zh-TW" dirty="0"/>
-              <a:t>Newton and L-BFGS-B</a:t>
+              <a:t>Methods Comparison</a:t>
             </a:r>
             <a:endParaRPr lang="zh-TW" altLang="en-US" dirty="0"/>
           </a:p>
         </p:txBody>
       </p:sp>
-      <mc:AlternateContent xmlns:mc="http://schemas.openxmlformats.org/markup-compatibility/2006">
-        <mc:Choice xmlns:a14="http://schemas.microsoft.com/office/drawing/2010/main" Requires="a14">
-          <p:sp>
-            <p:nvSpPr>
-              <p:cNvPr id="3" name="內容版面配置區 2">
-                <a:extLst>
-                  <a:ext uri="{FF2B5EF4-FFF2-40B4-BE49-F238E27FC236}">
-                    <a16:creationId xmlns:a16="http://schemas.microsoft.com/office/drawing/2014/main" id="{F297F335-6FA2-D5EC-B3E0-AB2C13E3A30D}"/>
-                  </a:ext>
-                </a:extLst>
-              </p:cNvPr>
-              <p:cNvSpPr>
-                <a:spLocks noGrp="1"/>
-              </p:cNvSpPr>
-              <p:nvPr>
-                <p:ph idx="1"/>
-              </p:nvPr>
-            </p:nvSpPr>
-            <p:spPr/>
-            <p:txBody>
-              <a:bodyPr/>
-              <a:lstStyle/>
-              <a:p>
-                <a14:m>
-                  <m:oMath xmlns:m="http://schemas.openxmlformats.org/officeDocument/2006/math">
-                    <m:r>
-                      <a:rPr lang="en-US" altLang="zh-TW" i="1">
-                        <a:latin typeface="Cambria Math" panose="02040503050406030204" pitchFamily="18" charset="0"/>
-                      </a:rPr>
-                      <m:t>1</m:t>
-                    </m:r>
-                    <m:r>
-                      <a:rPr lang="en-US" altLang="zh-TW" b="0" i="1" smtClean="0">
-                        <a:latin typeface="Cambria Math" panose="02040503050406030204" pitchFamily="18" charset="0"/>
-                      </a:rPr>
-                      <m:t>0 </m:t>
-                    </m:r>
-                  </m:oMath>
-                </a14:m>
-                <a:r>
-                  <a:rPr lang="en-US" altLang="zh-TW" dirty="0"/>
-                  <a:t>trials for each instance in </a:t>
-                </a:r>
-                <a14:m>
-                  <m:oMath xmlns:m="http://schemas.openxmlformats.org/officeDocument/2006/math">
-                    <m:r>
-                      <a:rPr lang="en-US" altLang="zh-TW" b="0" i="1" smtClean="0">
-                        <a:latin typeface="Cambria Math" panose="02040503050406030204" pitchFamily="18" charset="0"/>
-                      </a:rPr>
-                      <m:t>𝐸𝑅</m:t>
-                    </m:r>
-                    <m:r>
-                      <a:rPr lang="en-US" altLang="zh-TW" b="0" i="1" smtClean="0">
-                        <a:latin typeface="Cambria Math" panose="02040503050406030204" pitchFamily="18" charset="0"/>
-                      </a:rPr>
-                      <m:t>(500, 0.5,</m:t>
-                    </m:r>
-                  </m:oMath>
-                </a14:m>
-                <a:r>
-                  <a:rPr lang="en-US" altLang="zh-TW" b="0" i="1" dirty="0">
-                    <a:latin typeface="Cambria Math" panose="02040503050406030204" pitchFamily="18" charset="0"/>
-                  </a:rPr>
-                  <a:t> seed 0 to 49</a:t>
-                </a:r>
-                <a14:m>
-                  <m:oMath xmlns:m="http://schemas.openxmlformats.org/officeDocument/2006/math">
-                    <m:r>
-                      <a:rPr lang="en-US" altLang="zh-TW" b="0" i="1" smtClean="0">
-                        <a:latin typeface="Cambria Math" panose="02040503050406030204" pitchFamily="18" charset="0"/>
-                      </a:rPr>
-                      <m:t>)</m:t>
-                    </m:r>
-                  </m:oMath>
-                </a14:m>
-                <a:r>
-                  <a:rPr lang="en-US" altLang="zh-TW" b="0" i="1" dirty="0">
-                    <a:latin typeface="Cambria Math" panose="02040503050406030204" pitchFamily="18" charset="0"/>
-                  </a:rPr>
-                  <a:t>. </a:t>
-                </a:r>
-              </a:p>
-              <a:p>
-                <a:endParaRPr lang="en-US" altLang="zh-TW" b="0" i="1" dirty="0"/>
-              </a:p>
-              <a:p>
-                <a:r>
-                  <a:rPr lang="en-US" altLang="zh-TW" b="0" dirty="0"/>
-                  <a:t>The solution size of a seed is the best solution size of the </a:t>
-                </a:r>
-                <a14:m>
-                  <m:oMath xmlns:m="http://schemas.openxmlformats.org/officeDocument/2006/math">
-                    <m:r>
-                      <a:rPr lang="en-US" altLang="zh-TW" b="0" i="1" dirty="0" smtClean="0">
-                        <a:latin typeface="Cambria Math" panose="02040503050406030204" pitchFamily="18" charset="0"/>
-                      </a:rPr>
-                      <m:t>10</m:t>
-                    </m:r>
-                  </m:oMath>
-                </a14:m>
-                <a:r>
-                  <a:rPr lang="en-US" altLang="zh-TW" b="0" dirty="0"/>
-                  <a:t> trials, and the average </a:t>
-                </a:r>
-                <a:r>
-                  <a:rPr lang="en-US" altLang="zh-TW" dirty="0"/>
-                  <a:t>number of iteration and time for all trials.</a:t>
-                </a:r>
-              </a:p>
-              <a:p>
-                <a:endParaRPr lang="en-US" altLang="zh-TW" b="0" dirty="0"/>
-              </a:p>
-              <a:p>
-                <a:r>
-                  <a:rPr lang="en-US" altLang="zh-TW" dirty="0"/>
-                  <a:t>Newton and L-BFGS-B both show improvement on finding larger solution over baseline MGD but take more time to solve.</a:t>
-                </a:r>
-                <a:r>
-                  <a:rPr lang="zh-TW" altLang="en-US" dirty="0"/>
-                  <a:t> </a:t>
-                </a:r>
-                <a:r>
-                  <a:rPr lang="en-US" altLang="zh-TW" dirty="0"/>
-                  <a:t>In particular, L-BFGS-B &gt; Newton &gt; MGD, where MGD is the choice of solver in </a:t>
-                </a:r>
-                <a:r>
-                  <a:rPr lang="en-US" altLang="zh-TW" dirty="0" err="1"/>
-                  <a:t>pCQO</a:t>
-                </a:r>
-                <a:r>
-                  <a:rPr lang="en-US" altLang="zh-TW" dirty="0"/>
-                  <a:t>, the baseline method for solving a relaxed  LP.</a:t>
-                </a:r>
-                <a:endParaRPr lang="en-US" altLang="zh-TW" b="0" dirty="0"/>
-              </a:p>
-              <a:p>
-                <a:pPr marL="0" indent="0">
-                  <a:buNone/>
-                </a:pPr>
-                <a:endParaRPr lang="en-US" altLang="zh-TW" b="0" dirty="0"/>
-              </a:p>
-              <a:p>
-                <a:endParaRPr lang="en-US" altLang="zh-TW" b="0" dirty="0">
-                  <a:latin typeface="Cambria Math" panose="02040503050406030204" pitchFamily="18" charset="0"/>
-                </a:endParaRPr>
-              </a:p>
-              <a:p>
-                <a:pPr marL="0" indent="0">
-                  <a:buNone/>
-                </a:pPr>
-                <a:endParaRPr lang="en-US" altLang="zh-TW" dirty="0"/>
-              </a:p>
-              <a:p>
-                <a:pPr marL="0" indent="0">
-                  <a:buNone/>
-                </a:pPr>
-                <a:endParaRPr lang="en-US" altLang="zh-TW" dirty="0"/>
-              </a:p>
-            </p:txBody>
-          </p:sp>
-        </mc:Choice>
-        <mc:Fallback>
-          <p:sp>
-            <p:nvSpPr>
-              <p:cNvPr id="3" name="內容版面配置區 2">
-                <a:extLst>
-                  <a:ext uri="{FF2B5EF4-FFF2-40B4-BE49-F238E27FC236}">
-                    <a16:creationId xmlns:a16="http://schemas.microsoft.com/office/drawing/2014/main" id="{F297F335-6FA2-D5EC-B3E0-AB2C13E3A30D}"/>
-                  </a:ext>
-                </a:extLst>
-              </p:cNvPr>
-              <p:cNvSpPr>
-                <a:spLocks noGrp="1" noRot="1" noChangeAspect="1" noMove="1" noResize="1" noEditPoints="1" noAdjustHandles="1" noChangeArrowheads="1" noChangeShapeType="1" noTextEdit="1"/>
-              </p:cNvSpPr>
-              <p:nvPr>
-                <p:ph idx="1"/>
-              </p:nvPr>
-            </p:nvSpPr>
-            <p:spPr>
-              <a:blipFill>
-                <a:blip r:embed="rId2"/>
-                <a:stretch>
-                  <a:fillRect l="-1043" t="-2661" r="-1391"/>
-                </a:stretch>
-              </a:blipFill>
-            </p:spPr>
-            <p:txBody>
-              <a:bodyPr/>
-              <a:lstStyle/>
-              <a:p>
-                <a:r>
-                  <a:rPr lang="zh-TW" altLang="en-US">
-                    <a:noFill/>
-                  </a:rPr>
-                  <a:t> </a:t>
-                </a:r>
-              </a:p>
-            </p:txBody>
-          </p:sp>
-        </mc:Fallback>
-      </mc:AlternateContent>
-    </p:spTree>
-    <p:extLst>
-      <p:ext uri="{BB962C8B-B14F-4D97-AF65-F5344CB8AC3E}">
-        <p14:creationId xmlns:p14="http://schemas.microsoft.com/office/powerpoint/2010/main" val="1342911814"/>
-      </p:ext>
-    </p:extLst>
-  </p:cSld>
-  <p:clrMapOvr>
-    <a:masterClrMapping/>
-  </p:clrMapOvr>
-</p:sld>
-</file>
-
-<file path=ppt/slides/slide4.xml><?xml version="1.0" encoding="utf-8"?>
-<p:sld xmlns:a="http://schemas.openxmlformats.org/drawingml/2006/main" xmlns:r="http://schemas.openxmlformats.org/officeDocument/2006/relationships" xmlns:p="http://schemas.openxmlformats.org/presentationml/2006/main">
-  <p:cSld>
-    <p:spTree>
-      <p:nvGrpSpPr>
-        <p:cNvPr id="1" name="">
-          <a:extLst>
-            <a:ext uri="{FF2B5EF4-FFF2-40B4-BE49-F238E27FC236}">
-              <a16:creationId xmlns:a16="http://schemas.microsoft.com/office/drawing/2014/main" id="{A00940A5-D8FC-EE2B-3397-91039915B422}"/>
-            </a:ext>
-          </a:extLst>
-        </p:cNvPr>
-        <p:cNvGrpSpPr/>
-        <p:nvPr/>
-      </p:nvGrpSpPr>
-      <p:grpSpPr>
-        <a:xfrm>
-          <a:off x="0" y="0"/>
-          <a:ext cx="0" cy="0"/>
-          <a:chOff x="0" y="0"/>
-          <a:chExt cx="0" cy="0"/>
-        </a:xfrm>
-      </p:grpSpPr>
-      <p:sp>
-        <p:nvSpPr>
-          <p:cNvPr id="2" name="標題 1">
-            <a:extLst>
-              <a:ext uri="{FF2B5EF4-FFF2-40B4-BE49-F238E27FC236}">
-                <a16:creationId xmlns:a16="http://schemas.microsoft.com/office/drawing/2014/main" id="{AD375141-841E-B67B-6149-0565256595A6}"/>
-              </a:ext>
-            </a:extLst>
-          </p:cNvPr>
-          <p:cNvSpPr>
-            <a:spLocks noGrp="1"/>
-          </p:cNvSpPr>
-          <p:nvPr>
-            <p:ph type="title"/>
-          </p:nvPr>
-        </p:nvSpPr>
-        <p:spPr/>
-        <p:txBody>
-          <a:bodyPr/>
-          <a:lstStyle/>
-          <a:p>
-            <a:r>
-              <a:rPr lang="en-US" altLang="zh-TW" dirty="0"/>
-              <a:t>Baseline MGD with and without Third Term</a:t>
-            </a:r>
-            <a:endParaRPr lang="zh-TW" altLang="en-US" dirty="0"/>
-          </a:p>
-        </p:txBody>
-      </p:sp>
-      <p:sp>
-        <p:nvSpPr>
-          <p:cNvPr id="3" name="內容版面配置區 2">
-            <a:extLst>
-              <a:ext uri="{FF2B5EF4-FFF2-40B4-BE49-F238E27FC236}">
-                <a16:creationId xmlns:a16="http://schemas.microsoft.com/office/drawing/2014/main" id="{798D140C-2B7E-0F00-0087-F14B13FCB289}"/>
-              </a:ext>
-            </a:extLst>
-          </p:cNvPr>
-          <p:cNvSpPr>
-            <a:spLocks noGrp="1"/>
-          </p:cNvSpPr>
-          <p:nvPr>
-            <p:ph idx="1"/>
-          </p:nvPr>
-        </p:nvSpPr>
-        <p:spPr/>
-        <p:txBody>
-          <a:bodyPr>
-            <a:normAutofit/>
-          </a:bodyPr>
-          <a:lstStyle/>
-          <a:p>
-            <a:r>
-              <a:rPr lang="en-US" altLang="zh-TW" dirty="0"/>
-              <a:t>Comparison by solution size:</a:t>
-            </a:r>
-          </a:p>
-          <a:p>
-            <a:endParaRPr lang="en-US" altLang="zh-TW" dirty="0"/>
-          </a:p>
-          <a:p>
-            <a:pPr marL="0" indent="0">
-              <a:buNone/>
-            </a:pPr>
-            <a:endParaRPr lang="en-US" altLang="zh-TW" dirty="0"/>
-          </a:p>
-          <a:p>
-            <a:endParaRPr lang="en-US" altLang="zh-TW" dirty="0"/>
-          </a:p>
-          <a:p>
-            <a:endParaRPr lang="en-US" altLang="zh-TW" dirty="0"/>
-          </a:p>
-          <a:p>
-            <a:r>
-              <a:rPr lang="en-US" altLang="zh-TW" dirty="0"/>
-              <a:t>Comparison by iteration number/time:</a:t>
-            </a:r>
-            <a:br>
-              <a:rPr lang="en-US" altLang="zh-TW" dirty="0"/>
-            </a:br>
-            <a:endParaRPr lang="en-US" altLang="zh-TW" dirty="0"/>
-          </a:p>
-          <a:p>
-            <a:pPr marL="0" indent="0">
-              <a:buNone/>
-            </a:pPr>
-            <a:endParaRPr lang="en-US" altLang="zh-TW" dirty="0"/>
-          </a:p>
-        </p:txBody>
-      </p:sp>
-      <p:graphicFrame>
-        <p:nvGraphicFramePr>
-          <p:cNvPr id="5" name="表格 4">
-            <a:extLst>
-              <a:ext uri="{FF2B5EF4-FFF2-40B4-BE49-F238E27FC236}">
-                <a16:creationId xmlns:a16="http://schemas.microsoft.com/office/drawing/2014/main" id="{32E7A96D-0DC4-B687-FB2E-89654E5BB902}"/>
-              </a:ext>
-            </a:extLst>
-          </p:cNvPr>
-          <p:cNvGraphicFramePr>
-            <a:graphicFrameLocks noGrp="1"/>
-          </p:cNvGraphicFramePr>
-          <p:nvPr/>
-        </p:nvGraphicFramePr>
-        <p:xfrm>
-          <a:off x="2031999" y="2481004"/>
-          <a:ext cx="8127999" cy="1010920"/>
-        </p:xfrm>
-        <a:graphic>
-          <a:graphicData uri="http://schemas.openxmlformats.org/drawingml/2006/table">
-            <a:tbl>
-              <a:tblPr firstRow="1" bandRow="1">
-                <a:tableStyleId>{5C22544A-7EE6-4342-B048-85BDC9FD1C3A}</a:tableStyleId>
-              </a:tblPr>
-              <a:tblGrid>
-                <a:gridCol w="2709333">
-                  <a:extLst>
-                    <a:ext uri="{9D8B030D-6E8A-4147-A177-3AD203B41FA5}">
-                      <a16:colId xmlns:a16="http://schemas.microsoft.com/office/drawing/2014/main" val="2569595802"/>
-                    </a:ext>
-                  </a:extLst>
-                </a:gridCol>
-                <a:gridCol w="2709333">
-                  <a:extLst>
-                    <a:ext uri="{9D8B030D-6E8A-4147-A177-3AD203B41FA5}">
-                      <a16:colId xmlns:a16="http://schemas.microsoft.com/office/drawing/2014/main" val="1635722179"/>
-                    </a:ext>
-                  </a:extLst>
-                </a:gridCol>
-                <a:gridCol w="2709333">
-                  <a:extLst>
-                    <a:ext uri="{9D8B030D-6E8A-4147-A177-3AD203B41FA5}">
-                      <a16:colId xmlns:a16="http://schemas.microsoft.com/office/drawing/2014/main" val="3556533337"/>
-                    </a:ext>
-                  </a:extLst>
-                </a:gridCol>
-              </a:tblGrid>
-              <a:tr h="370840">
-                <a:tc>
-                  <a:txBody>
-                    <a:bodyPr/>
-                    <a:lstStyle/>
-                    <a:p>
-                      <a:endParaRPr lang="zh-TW" altLang="en-US" dirty="0"/>
-                    </a:p>
-                  </a:txBody>
-                  <a:tcPr/>
-                </a:tc>
-                <a:tc>
-                  <a:txBody>
-                    <a:bodyPr/>
-                    <a:lstStyle/>
-                    <a:p>
-                      <a:r>
-                        <a:rPr lang="en-US" altLang="zh-TW" dirty="0"/>
-                        <a:t>MGD without Third Term</a:t>
-                      </a:r>
-                      <a:endParaRPr lang="zh-TW" altLang="en-US" dirty="0"/>
-                    </a:p>
-                  </a:txBody>
-                  <a:tcPr/>
-                </a:tc>
-                <a:tc>
-                  <a:txBody>
-                    <a:bodyPr/>
-                    <a:lstStyle/>
-                    <a:p>
-                      <a:r>
-                        <a:rPr lang="en-US" altLang="zh-TW" dirty="0"/>
-                        <a:t>MGD with Third Term</a:t>
-                      </a:r>
-                      <a:endParaRPr lang="zh-TW" altLang="en-US" dirty="0"/>
-                    </a:p>
-                  </a:txBody>
-                  <a:tcPr/>
-                </a:tc>
-                <a:extLst>
-                  <a:ext uri="{0D108BD9-81ED-4DB2-BD59-A6C34878D82A}">
-                    <a16:rowId xmlns:a16="http://schemas.microsoft.com/office/drawing/2014/main" val="330757575"/>
-                  </a:ext>
-                </a:extLst>
-              </a:tr>
-              <a:tr h="370840">
-                <a:tc>
-                  <a:txBody>
-                    <a:bodyPr/>
-                    <a:lstStyle/>
-                    <a:p>
-                      <a:r>
-                        <a:rPr lang="en-US" altLang="zh-TW" dirty="0"/>
-                        <a:t>Average solution size</a:t>
-                      </a:r>
-                      <a:endParaRPr lang="zh-TW" altLang="en-US" dirty="0"/>
-                    </a:p>
-                  </a:txBody>
-                  <a:tcPr/>
-                </a:tc>
-                <a:tc>
-                  <a:txBody>
-                    <a:bodyPr/>
-                    <a:lstStyle/>
-                    <a:p>
-                      <a:r>
-                        <a:rPr lang="en-US" altLang="zh-TW" dirty="0"/>
-                        <a:t>10.8</a:t>
-                      </a:r>
-                      <a:endParaRPr lang="zh-TW" altLang="en-US" dirty="0"/>
-                    </a:p>
-                  </a:txBody>
-                  <a:tcPr/>
-                </a:tc>
-                <a:tc>
-                  <a:txBody>
-                    <a:bodyPr/>
-                    <a:lstStyle/>
-                    <a:p>
-                      <a:r>
-                        <a:rPr lang="en-US" altLang="zh-TW" dirty="0"/>
-                        <a:t>10.8</a:t>
-                      </a:r>
-                      <a:endParaRPr lang="zh-TW" altLang="en-US" dirty="0"/>
-                    </a:p>
-                  </a:txBody>
-                  <a:tcPr/>
-                </a:tc>
-                <a:extLst>
-                  <a:ext uri="{0D108BD9-81ED-4DB2-BD59-A6C34878D82A}">
-                    <a16:rowId xmlns:a16="http://schemas.microsoft.com/office/drawing/2014/main" val="333671337"/>
-                  </a:ext>
-                </a:extLst>
-              </a:tr>
-            </a:tbl>
-          </a:graphicData>
-        </a:graphic>
-      </p:graphicFrame>
-      <p:graphicFrame>
-        <p:nvGraphicFramePr>
-          <p:cNvPr id="6" name="表格 5">
-            <a:extLst>
-              <a:ext uri="{FF2B5EF4-FFF2-40B4-BE49-F238E27FC236}">
-                <a16:creationId xmlns:a16="http://schemas.microsoft.com/office/drawing/2014/main" id="{24A248D6-3636-C003-F375-CD2C3A243BEC}"/>
-              </a:ext>
-            </a:extLst>
-          </p:cNvPr>
-          <p:cNvGraphicFramePr>
-            <a:graphicFrameLocks noGrp="1"/>
-          </p:cNvGraphicFramePr>
-          <p:nvPr/>
-        </p:nvGraphicFramePr>
-        <p:xfrm>
-          <a:off x="2032000" y="4972352"/>
-          <a:ext cx="8127999" cy="1381760"/>
-        </p:xfrm>
-        <a:graphic>
-          <a:graphicData uri="http://schemas.openxmlformats.org/drawingml/2006/table">
-            <a:tbl>
-              <a:tblPr firstRow="1" bandRow="1">
-                <a:tableStyleId>{5C22544A-7EE6-4342-B048-85BDC9FD1C3A}</a:tableStyleId>
-              </a:tblPr>
-              <a:tblGrid>
-                <a:gridCol w="2709333">
-                  <a:extLst>
-                    <a:ext uri="{9D8B030D-6E8A-4147-A177-3AD203B41FA5}">
-                      <a16:colId xmlns:a16="http://schemas.microsoft.com/office/drawing/2014/main" val="555451426"/>
-                    </a:ext>
-                  </a:extLst>
-                </a:gridCol>
-                <a:gridCol w="2709333">
-                  <a:extLst>
-                    <a:ext uri="{9D8B030D-6E8A-4147-A177-3AD203B41FA5}">
-                      <a16:colId xmlns:a16="http://schemas.microsoft.com/office/drawing/2014/main" val="4013889762"/>
-                    </a:ext>
-                  </a:extLst>
-                </a:gridCol>
-                <a:gridCol w="2709333">
-                  <a:extLst>
-                    <a:ext uri="{9D8B030D-6E8A-4147-A177-3AD203B41FA5}">
-                      <a16:colId xmlns:a16="http://schemas.microsoft.com/office/drawing/2014/main" val="3760255570"/>
-                    </a:ext>
-                  </a:extLst>
-                </a:gridCol>
-              </a:tblGrid>
-              <a:tr h="370840">
-                <a:tc>
-                  <a:txBody>
-                    <a:bodyPr/>
-                    <a:lstStyle/>
-                    <a:p>
-                      <a:endParaRPr lang="zh-TW" altLang="en-US"/>
-                    </a:p>
-                  </a:txBody>
-                  <a:tcPr/>
-                </a:tc>
-                <a:tc>
-                  <a:txBody>
-                    <a:bodyPr/>
-                    <a:lstStyle/>
-                    <a:p>
-                      <a:r>
-                        <a:rPr lang="en-US" altLang="zh-TW" dirty="0"/>
-                        <a:t>MGD without Third Term</a:t>
-                      </a:r>
-                      <a:endParaRPr lang="zh-TW" altLang="en-US" dirty="0"/>
-                    </a:p>
-                  </a:txBody>
-                  <a:tcPr/>
-                </a:tc>
-                <a:tc>
-                  <a:txBody>
-                    <a:bodyPr/>
-                    <a:lstStyle/>
-                    <a:p>
-                      <a:r>
-                        <a:rPr lang="en-US" altLang="zh-TW" dirty="0"/>
-                        <a:t>MGD with Third Term</a:t>
-                      </a:r>
-                      <a:endParaRPr lang="zh-TW" altLang="en-US" dirty="0"/>
-                    </a:p>
-                  </a:txBody>
-                  <a:tcPr/>
-                </a:tc>
-                <a:extLst>
-                  <a:ext uri="{0D108BD9-81ED-4DB2-BD59-A6C34878D82A}">
-                    <a16:rowId xmlns:a16="http://schemas.microsoft.com/office/drawing/2014/main" val="892941417"/>
-                  </a:ext>
-                </a:extLst>
-              </a:tr>
-              <a:tr h="370840">
-                <a:tc>
-                  <a:txBody>
-                    <a:bodyPr/>
-                    <a:lstStyle/>
-                    <a:p>
-                      <a:r>
-                        <a:rPr lang="en-US" altLang="zh-TW" dirty="0"/>
-                        <a:t>Average iteration number</a:t>
-                      </a:r>
-                      <a:endParaRPr lang="zh-TW" altLang="en-US" dirty="0"/>
-                    </a:p>
-                  </a:txBody>
-                  <a:tcPr/>
-                </a:tc>
-                <a:tc>
-                  <a:txBody>
-                    <a:bodyPr/>
-                    <a:lstStyle/>
-                    <a:p>
-                      <a:r>
-                        <a:rPr lang="en-US" altLang="zh-TW" dirty="0"/>
-                        <a:t>85.6</a:t>
-                      </a:r>
-                      <a:endParaRPr lang="zh-TW" altLang="en-US" dirty="0"/>
-                    </a:p>
-                  </a:txBody>
-                  <a:tcPr/>
-                </a:tc>
-                <a:tc>
-                  <a:txBody>
-                    <a:bodyPr/>
-                    <a:lstStyle/>
-                    <a:p>
-                      <a:r>
-                        <a:rPr lang="en-US" altLang="zh-TW" dirty="0"/>
-                        <a:t>86.3</a:t>
-                      </a:r>
-                      <a:endParaRPr lang="zh-TW" altLang="en-US" dirty="0"/>
-                    </a:p>
-                  </a:txBody>
-                  <a:tcPr/>
-                </a:tc>
-                <a:extLst>
-                  <a:ext uri="{0D108BD9-81ED-4DB2-BD59-A6C34878D82A}">
-                    <a16:rowId xmlns:a16="http://schemas.microsoft.com/office/drawing/2014/main" val="459548575"/>
-                  </a:ext>
-                </a:extLst>
-              </a:tr>
-              <a:tr h="370840">
-                <a:tc>
-                  <a:txBody>
-                    <a:bodyPr/>
-                    <a:lstStyle/>
-                    <a:p>
-                      <a:r>
-                        <a:rPr lang="en-US" altLang="zh-TW" dirty="0"/>
-                        <a:t>Average time</a:t>
-                      </a:r>
-                      <a:endParaRPr lang="zh-TW" altLang="en-US" dirty="0"/>
-                    </a:p>
-                  </a:txBody>
-                  <a:tcPr/>
-                </a:tc>
-                <a:tc>
-                  <a:txBody>
-                    <a:bodyPr/>
-                    <a:lstStyle/>
-                    <a:p>
-                      <a:r>
-                        <a:rPr lang="en-US" altLang="zh-TW" dirty="0"/>
-                        <a:t>0.0196</a:t>
-                      </a:r>
-                      <a:endParaRPr lang="zh-TW" altLang="en-US" dirty="0"/>
-                    </a:p>
-                  </a:txBody>
-                  <a:tcPr/>
-                </a:tc>
-                <a:tc>
-                  <a:txBody>
-                    <a:bodyPr/>
-                    <a:lstStyle/>
-                    <a:p>
-                      <a:r>
-                        <a:rPr lang="en-US" altLang="zh-TW" dirty="0"/>
-                        <a:t>0.0260</a:t>
-                      </a:r>
-                      <a:endParaRPr lang="zh-TW" altLang="en-US" dirty="0"/>
-                    </a:p>
-                  </a:txBody>
-                  <a:tcPr/>
-                </a:tc>
-                <a:extLst>
-                  <a:ext uri="{0D108BD9-81ED-4DB2-BD59-A6C34878D82A}">
-                    <a16:rowId xmlns:a16="http://schemas.microsoft.com/office/drawing/2014/main" val="734208586"/>
-                  </a:ext>
-                </a:extLst>
-              </a:tr>
-            </a:tbl>
-          </a:graphicData>
-        </a:graphic>
-      </p:graphicFrame>
-    </p:spTree>
-    <p:extLst>
-      <p:ext uri="{BB962C8B-B14F-4D97-AF65-F5344CB8AC3E}">
-        <p14:creationId xmlns:p14="http://schemas.microsoft.com/office/powerpoint/2010/main" val="3118915119"/>
-      </p:ext>
-    </p:extLst>
-  </p:cSld>
-  <p:clrMapOvr>
-    <a:masterClrMapping/>
-  </p:clrMapOvr>
-</p:sld>
-</file>
-
-<file path=ppt/slides/slide5.xml><?xml version="1.0" encoding="utf-8"?>
-<p:sld xmlns:a="http://schemas.openxmlformats.org/drawingml/2006/main" xmlns:r="http://schemas.openxmlformats.org/officeDocument/2006/relationships" xmlns:p="http://schemas.openxmlformats.org/presentationml/2006/main">
-  <p:cSld>
-    <p:spTree>
-      <p:nvGrpSpPr>
-        <p:cNvPr id="1" name="">
-          <a:extLst>
-            <a:ext uri="{FF2B5EF4-FFF2-40B4-BE49-F238E27FC236}">
-              <a16:creationId xmlns:a16="http://schemas.microsoft.com/office/drawing/2014/main" id="{95A7048C-A4AD-27CA-6AF1-FEA710256111}"/>
-            </a:ext>
-          </a:extLst>
-        </p:cNvPr>
-        <p:cNvGrpSpPr/>
-        <p:nvPr/>
-      </p:nvGrpSpPr>
-      <p:grpSpPr>
-        <a:xfrm>
-          <a:off x="0" y="0"/>
-          <a:ext cx="0" cy="0"/>
-          <a:chOff x="0" y="0"/>
-          <a:chExt cx="0" cy="0"/>
-        </a:xfrm>
-      </p:grpSpPr>
-      <p:sp>
-        <p:nvSpPr>
-          <p:cNvPr id="2" name="標題 1">
-            <a:extLst>
-              <a:ext uri="{FF2B5EF4-FFF2-40B4-BE49-F238E27FC236}">
-                <a16:creationId xmlns:a16="http://schemas.microsoft.com/office/drawing/2014/main" id="{A79CA459-BF0E-B6C1-C535-58F9F64B4DAD}"/>
-              </a:ext>
-            </a:extLst>
-          </p:cNvPr>
-          <p:cNvSpPr>
-            <a:spLocks noGrp="1"/>
-          </p:cNvSpPr>
-          <p:nvPr>
-            <p:ph type="title"/>
-          </p:nvPr>
-        </p:nvSpPr>
-        <p:spPr/>
-        <p:txBody>
-          <a:bodyPr/>
-          <a:lstStyle/>
-          <a:p>
-            <a:r>
-              <a:rPr lang="en-US" altLang="zh-TW" dirty="0"/>
-              <a:t>Newton and L-BFGS-B</a:t>
-            </a:r>
-            <a:endParaRPr lang="zh-TW" altLang="en-US" dirty="0"/>
-          </a:p>
-        </p:txBody>
-      </p:sp>
-      <p:sp>
-        <p:nvSpPr>
-          <p:cNvPr id="3" name="內容版面配置區 2">
-            <a:extLst>
-              <a:ext uri="{FF2B5EF4-FFF2-40B4-BE49-F238E27FC236}">
-                <a16:creationId xmlns:a16="http://schemas.microsoft.com/office/drawing/2014/main" id="{2DB4696C-4F0B-7A8A-8791-95E5548AC69F}"/>
-              </a:ext>
-            </a:extLst>
-          </p:cNvPr>
-          <p:cNvSpPr>
-            <a:spLocks noGrp="1"/>
-          </p:cNvSpPr>
-          <p:nvPr>
-            <p:ph idx="1"/>
-          </p:nvPr>
-        </p:nvSpPr>
-        <p:spPr/>
-        <p:txBody>
-          <a:bodyPr>
-            <a:normAutofit/>
-          </a:bodyPr>
-          <a:lstStyle/>
-          <a:p>
-            <a:r>
-              <a:rPr lang="en-US" altLang="zh-TW" dirty="0"/>
-              <a:t>Comparison by solution size:</a:t>
-            </a:r>
-          </a:p>
-          <a:p>
-            <a:endParaRPr lang="en-US" altLang="zh-TW" dirty="0"/>
-          </a:p>
-          <a:p>
-            <a:pPr marL="0" indent="0">
-              <a:buNone/>
-            </a:pPr>
-            <a:endParaRPr lang="en-US" altLang="zh-TW" dirty="0"/>
-          </a:p>
-          <a:p>
-            <a:endParaRPr lang="en-US" altLang="zh-TW" dirty="0"/>
-          </a:p>
-          <a:p>
-            <a:endParaRPr lang="en-US" altLang="zh-TW" dirty="0"/>
-          </a:p>
-          <a:p>
-            <a:r>
-              <a:rPr lang="en-US" altLang="zh-TW" dirty="0"/>
-              <a:t>Comparison by iteration number/time:</a:t>
-            </a:r>
-            <a:br>
-              <a:rPr lang="en-US" altLang="zh-TW" dirty="0"/>
-            </a:br>
-            <a:endParaRPr lang="en-US" altLang="zh-TW" dirty="0"/>
-          </a:p>
-          <a:p>
-            <a:pPr marL="0" indent="0">
-              <a:buNone/>
-            </a:pPr>
-            <a:endParaRPr lang="en-US" altLang="zh-TW" dirty="0"/>
-          </a:p>
-        </p:txBody>
-      </p:sp>
-      <p:graphicFrame>
-        <p:nvGraphicFramePr>
-          <p:cNvPr id="4" name="表格 3">
-            <a:extLst>
-              <a:ext uri="{FF2B5EF4-FFF2-40B4-BE49-F238E27FC236}">
-                <a16:creationId xmlns:a16="http://schemas.microsoft.com/office/drawing/2014/main" id="{0FC4BF42-9E9D-12CD-DCDB-F5C7DC7945DB}"/>
-              </a:ext>
-            </a:extLst>
-          </p:cNvPr>
-          <p:cNvGraphicFramePr>
-            <a:graphicFrameLocks noGrp="1"/>
-          </p:cNvGraphicFramePr>
-          <p:nvPr/>
-        </p:nvGraphicFramePr>
-        <p:xfrm>
-          <a:off x="2032000" y="2456542"/>
-          <a:ext cx="8127999" cy="741680"/>
-        </p:xfrm>
-        <a:graphic>
-          <a:graphicData uri="http://schemas.openxmlformats.org/drawingml/2006/table">
-            <a:tbl>
-              <a:tblPr firstRow="1" bandRow="1">
-                <a:tableStyleId>{5C22544A-7EE6-4342-B048-85BDC9FD1C3A}</a:tableStyleId>
-              </a:tblPr>
-              <a:tblGrid>
-                <a:gridCol w="2709333">
-                  <a:extLst>
-                    <a:ext uri="{9D8B030D-6E8A-4147-A177-3AD203B41FA5}">
-                      <a16:colId xmlns:a16="http://schemas.microsoft.com/office/drawing/2014/main" val="1137687080"/>
-                    </a:ext>
-                  </a:extLst>
-                </a:gridCol>
-                <a:gridCol w="2709333">
-                  <a:extLst>
-                    <a:ext uri="{9D8B030D-6E8A-4147-A177-3AD203B41FA5}">
-                      <a16:colId xmlns:a16="http://schemas.microsoft.com/office/drawing/2014/main" val="2401450724"/>
-                    </a:ext>
-                  </a:extLst>
-                </a:gridCol>
-                <a:gridCol w="2709333">
-                  <a:extLst>
-                    <a:ext uri="{9D8B030D-6E8A-4147-A177-3AD203B41FA5}">
-                      <a16:colId xmlns:a16="http://schemas.microsoft.com/office/drawing/2014/main" val="1041712111"/>
-                    </a:ext>
-                  </a:extLst>
-                </a:gridCol>
-              </a:tblGrid>
-              <a:tr h="370840">
-                <a:tc>
-                  <a:txBody>
-                    <a:bodyPr/>
-                    <a:lstStyle/>
-                    <a:p>
-                      <a:r>
-                        <a:rPr lang="en-US" altLang="zh-TW" dirty="0"/>
-                        <a:t>L-BFGS-B &gt; Newton</a:t>
-                      </a:r>
-                      <a:endParaRPr lang="zh-TW" altLang="en-US" dirty="0"/>
-                    </a:p>
-                  </a:txBody>
-                  <a:tcPr/>
-                </a:tc>
-                <a:tc>
-                  <a:txBody>
-                    <a:bodyPr/>
-                    <a:lstStyle/>
-                    <a:p>
-                      <a:r>
-                        <a:rPr lang="en-US" altLang="zh-TW" dirty="0"/>
-                        <a:t>Tie</a:t>
-                      </a:r>
-                      <a:endParaRPr lang="zh-TW" altLang="en-US" dirty="0"/>
-                    </a:p>
-                  </a:txBody>
-                  <a:tcPr/>
-                </a:tc>
-                <a:tc>
-                  <a:txBody>
-                    <a:bodyPr/>
-                    <a:lstStyle/>
-                    <a:p>
-                      <a:pPr marL="0" marR="0" lvl="0" indent="0" algn="l" defTabSz="914400" rtl="0" eaLnBrk="1" fontAlgn="auto" latinLnBrk="0" hangingPunct="1">
-                        <a:lnSpc>
-                          <a:spcPct val="100000"/>
-                        </a:lnSpc>
-                        <a:spcBef>
-                          <a:spcPts val="0"/>
-                        </a:spcBef>
-                        <a:spcAft>
-                          <a:spcPts val="0"/>
-                        </a:spcAft>
-                        <a:buClrTx/>
-                        <a:buSzTx/>
-                        <a:buFontTx/>
-                        <a:buNone/>
-                        <a:tabLst/>
-                        <a:defRPr/>
-                      </a:pPr>
-                      <a:r>
-                        <a:rPr lang="en-US" altLang="zh-TW" dirty="0"/>
-                        <a:t>L-BFGS-B &lt; Newton</a:t>
-                      </a:r>
-                      <a:endParaRPr lang="zh-TW" altLang="en-US" dirty="0"/>
-                    </a:p>
-                  </a:txBody>
-                  <a:tcPr/>
-                </a:tc>
-                <a:extLst>
-                  <a:ext uri="{0D108BD9-81ED-4DB2-BD59-A6C34878D82A}">
-                    <a16:rowId xmlns:a16="http://schemas.microsoft.com/office/drawing/2014/main" val="4148947666"/>
-                  </a:ext>
-                </a:extLst>
-              </a:tr>
-              <a:tr h="370840">
-                <a:tc>
-                  <a:txBody>
-                    <a:bodyPr/>
-                    <a:lstStyle/>
-                    <a:p>
-                      <a:r>
-                        <a:rPr lang="en-US" altLang="zh-TW" dirty="0"/>
-                        <a:t>13</a:t>
-                      </a:r>
-                      <a:endParaRPr lang="zh-TW" altLang="en-US" dirty="0"/>
-                    </a:p>
-                  </a:txBody>
-                  <a:tcPr/>
-                </a:tc>
-                <a:tc>
-                  <a:txBody>
-                    <a:bodyPr/>
-                    <a:lstStyle/>
-                    <a:p>
-                      <a:r>
-                        <a:rPr lang="en-US" altLang="zh-TW" dirty="0"/>
-                        <a:t>32</a:t>
-                      </a:r>
-                      <a:endParaRPr lang="zh-TW" altLang="en-US" dirty="0"/>
-                    </a:p>
-                  </a:txBody>
-                  <a:tcPr/>
-                </a:tc>
-                <a:tc>
-                  <a:txBody>
-                    <a:bodyPr/>
-                    <a:lstStyle/>
-                    <a:p>
-                      <a:r>
-                        <a:rPr lang="en-US" altLang="zh-TW" dirty="0"/>
-                        <a:t>5</a:t>
-                      </a:r>
-                      <a:endParaRPr lang="zh-TW" altLang="en-US" dirty="0"/>
-                    </a:p>
-                  </a:txBody>
-                  <a:tcPr/>
-                </a:tc>
-                <a:extLst>
-                  <a:ext uri="{0D108BD9-81ED-4DB2-BD59-A6C34878D82A}">
-                    <a16:rowId xmlns:a16="http://schemas.microsoft.com/office/drawing/2014/main" val="2921533846"/>
-                  </a:ext>
-                </a:extLst>
-              </a:tr>
-            </a:tbl>
-          </a:graphicData>
-        </a:graphic>
-      </p:graphicFrame>
-      <p:graphicFrame>
-        <p:nvGraphicFramePr>
-          <p:cNvPr id="5" name="表格 4">
-            <a:extLst>
-              <a:ext uri="{FF2B5EF4-FFF2-40B4-BE49-F238E27FC236}">
-                <a16:creationId xmlns:a16="http://schemas.microsoft.com/office/drawing/2014/main" id="{588C69BC-A5A3-8FC3-5F66-6E1B7BCBDD14}"/>
-              </a:ext>
-            </a:extLst>
-          </p:cNvPr>
-          <p:cNvGraphicFramePr>
-            <a:graphicFrameLocks noGrp="1"/>
-          </p:cNvGraphicFramePr>
-          <p:nvPr>
-            <p:extLst>
-              <p:ext uri="{D42A27DB-BD31-4B8C-83A1-F6EECF244321}">
-                <p14:modId xmlns:p14="http://schemas.microsoft.com/office/powerpoint/2010/main" val="211924077"/>
-              </p:ext>
-            </p:extLst>
-          </p:nvPr>
-        </p:nvGraphicFramePr>
-        <p:xfrm>
-          <a:off x="2031999" y="3429000"/>
-          <a:ext cx="8127999" cy="741680"/>
-        </p:xfrm>
-        <a:graphic>
-          <a:graphicData uri="http://schemas.openxmlformats.org/drawingml/2006/table">
-            <a:tbl>
-              <a:tblPr firstRow="1" bandRow="1">
-                <a:tableStyleId>{5C22544A-7EE6-4342-B048-85BDC9FD1C3A}</a:tableStyleId>
-              </a:tblPr>
-              <a:tblGrid>
-                <a:gridCol w="2709333">
-                  <a:extLst>
-                    <a:ext uri="{9D8B030D-6E8A-4147-A177-3AD203B41FA5}">
-                      <a16:colId xmlns:a16="http://schemas.microsoft.com/office/drawing/2014/main" val="2569595802"/>
-                    </a:ext>
-                  </a:extLst>
-                </a:gridCol>
-                <a:gridCol w="2709333">
-                  <a:extLst>
-                    <a:ext uri="{9D8B030D-6E8A-4147-A177-3AD203B41FA5}">
-                      <a16:colId xmlns:a16="http://schemas.microsoft.com/office/drawing/2014/main" val="1635722179"/>
-                    </a:ext>
-                  </a:extLst>
-                </a:gridCol>
-                <a:gridCol w="2709333">
-                  <a:extLst>
-                    <a:ext uri="{9D8B030D-6E8A-4147-A177-3AD203B41FA5}">
-                      <a16:colId xmlns:a16="http://schemas.microsoft.com/office/drawing/2014/main" val="3556533337"/>
-                    </a:ext>
-                  </a:extLst>
-                </a:gridCol>
-              </a:tblGrid>
-              <a:tr h="370840">
-                <a:tc>
-                  <a:txBody>
-                    <a:bodyPr/>
-                    <a:lstStyle/>
-                    <a:p>
-                      <a:endParaRPr lang="zh-TW" altLang="en-US" dirty="0"/>
-                    </a:p>
-                  </a:txBody>
-                  <a:tcPr/>
-                </a:tc>
-                <a:tc>
-                  <a:txBody>
-                    <a:bodyPr/>
-                    <a:lstStyle/>
-                    <a:p>
-                      <a:r>
-                        <a:rPr lang="en-US" altLang="zh-TW" dirty="0"/>
-                        <a:t>L-BFGS-B</a:t>
-                      </a:r>
-                      <a:endParaRPr lang="zh-TW" altLang="en-US" dirty="0"/>
-                    </a:p>
-                  </a:txBody>
-                  <a:tcPr/>
-                </a:tc>
-                <a:tc>
-                  <a:txBody>
-                    <a:bodyPr/>
-                    <a:lstStyle/>
-                    <a:p>
-                      <a:r>
-                        <a:rPr lang="en-US" altLang="zh-TW" dirty="0"/>
-                        <a:t>Newton</a:t>
-                      </a:r>
-                      <a:endParaRPr lang="zh-TW" altLang="en-US" dirty="0"/>
-                    </a:p>
-                  </a:txBody>
-                  <a:tcPr/>
-                </a:tc>
-                <a:extLst>
-                  <a:ext uri="{0D108BD9-81ED-4DB2-BD59-A6C34878D82A}">
-                    <a16:rowId xmlns:a16="http://schemas.microsoft.com/office/drawing/2014/main" val="330757575"/>
-                  </a:ext>
-                </a:extLst>
-              </a:tr>
-              <a:tr h="370840">
-                <a:tc>
-                  <a:txBody>
-                    <a:bodyPr/>
-                    <a:lstStyle/>
-                    <a:p>
-                      <a:r>
-                        <a:rPr lang="en-US" altLang="zh-TW" dirty="0"/>
-                        <a:t>Average solution size</a:t>
-                      </a:r>
-                      <a:endParaRPr lang="zh-TW" altLang="en-US" dirty="0"/>
-                    </a:p>
-                  </a:txBody>
-                  <a:tcPr/>
-                </a:tc>
-                <a:tc>
-                  <a:txBody>
-                    <a:bodyPr/>
-                    <a:lstStyle/>
-                    <a:p>
-                      <a:r>
-                        <a:rPr lang="en-US" altLang="zh-TW" dirty="0"/>
-                        <a:t>11.26</a:t>
-                      </a:r>
-                      <a:endParaRPr lang="zh-TW" altLang="en-US" dirty="0"/>
-                    </a:p>
-                  </a:txBody>
-                  <a:tcPr/>
-                </a:tc>
-                <a:tc>
-                  <a:txBody>
-                    <a:bodyPr/>
-                    <a:lstStyle/>
-                    <a:p>
-                      <a:r>
-                        <a:rPr lang="en-US" altLang="zh-TW" dirty="0"/>
-                        <a:t>10.96</a:t>
-                      </a:r>
-                      <a:endParaRPr lang="zh-TW" altLang="en-US" dirty="0"/>
-                    </a:p>
-                  </a:txBody>
-                  <a:tcPr/>
-                </a:tc>
-                <a:extLst>
-                  <a:ext uri="{0D108BD9-81ED-4DB2-BD59-A6C34878D82A}">
-                    <a16:rowId xmlns:a16="http://schemas.microsoft.com/office/drawing/2014/main" val="333671337"/>
-                  </a:ext>
-                </a:extLst>
-              </a:tr>
-            </a:tbl>
-          </a:graphicData>
-        </a:graphic>
-      </p:graphicFrame>
-      <p:graphicFrame>
-        <p:nvGraphicFramePr>
-          <p:cNvPr id="6" name="表格 5">
-            <a:extLst>
-              <a:ext uri="{FF2B5EF4-FFF2-40B4-BE49-F238E27FC236}">
-                <a16:creationId xmlns:a16="http://schemas.microsoft.com/office/drawing/2014/main" id="{6FAAE120-C8E8-5D6A-1603-7CDC3401E845}"/>
-              </a:ext>
-            </a:extLst>
-          </p:cNvPr>
-          <p:cNvGraphicFramePr>
-            <a:graphicFrameLocks noGrp="1"/>
-          </p:cNvGraphicFramePr>
-          <p:nvPr>
-            <p:extLst>
-              <p:ext uri="{D42A27DB-BD31-4B8C-83A1-F6EECF244321}">
-                <p14:modId xmlns:p14="http://schemas.microsoft.com/office/powerpoint/2010/main" val="3487023369"/>
-              </p:ext>
-            </p:extLst>
-          </p:nvPr>
-        </p:nvGraphicFramePr>
-        <p:xfrm>
-          <a:off x="2032000" y="4972352"/>
-          <a:ext cx="8127999" cy="1112520"/>
-        </p:xfrm>
-        <a:graphic>
-          <a:graphicData uri="http://schemas.openxmlformats.org/drawingml/2006/table">
-            <a:tbl>
-              <a:tblPr firstRow="1" bandRow="1">
-                <a:tableStyleId>{5C22544A-7EE6-4342-B048-85BDC9FD1C3A}</a:tableStyleId>
-              </a:tblPr>
-              <a:tblGrid>
-                <a:gridCol w="2709333">
-                  <a:extLst>
-                    <a:ext uri="{9D8B030D-6E8A-4147-A177-3AD203B41FA5}">
-                      <a16:colId xmlns:a16="http://schemas.microsoft.com/office/drawing/2014/main" val="555451426"/>
-                    </a:ext>
-                  </a:extLst>
-                </a:gridCol>
-                <a:gridCol w="2709333">
-                  <a:extLst>
-                    <a:ext uri="{9D8B030D-6E8A-4147-A177-3AD203B41FA5}">
-                      <a16:colId xmlns:a16="http://schemas.microsoft.com/office/drawing/2014/main" val="4013889762"/>
-                    </a:ext>
-                  </a:extLst>
-                </a:gridCol>
-                <a:gridCol w="2709333">
-                  <a:extLst>
-                    <a:ext uri="{9D8B030D-6E8A-4147-A177-3AD203B41FA5}">
-                      <a16:colId xmlns:a16="http://schemas.microsoft.com/office/drawing/2014/main" val="3760255570"/>
-                    </a:ext>
-                  </a:extLst>
-                </a:gridCol>
-              </a:tblGrid>
-              <a:tr h="370840">
-                <a:tc>
-                  <a:txBody>
-                    <a:bodyPr/>
-                    <a:lstStyle/>
-                    <a:p>
-                      <a:endParaRPr lang="zh-TW" altLang="en-US"/>
-                    </a:p>
-                  </a:txBody>
-                  <a:tcPr/>
-                </a:tc>
-                <a:tc>
-                  <a:txBody>
-                    <a:bodyPr/>
-                    <a:lstStyle/>
-                    <a:p>
-                      <a:pPr marL="0" marR="0" lvl="0" indent="0" algn="l" defTabSz="914400" rtl="0" eaLnBrk="1" fontAlgn="auto" latinLnBrk="0" hangingPunct="1">
-                        <a:lnSpc>
-                          <a:spcPct val="100000"/>
-                        </a:lnSpc>
-                        <a:spcBef>
-                          <a:spcPts val="0"/>
-                        </a:spcBef>
-                        <a:spcAft>
-                          <a:spcPts val="0"/>
-                        </a:spcAft>
-                        <a:buClrTx/>
-                        <a:buSzTx/>
-                        <a:buFontTx/>
-                        <a:buNone/>
-                        <a:tabLst/>
-                        <a:defRPr/>
-                      </a:pPr>
-                      <a:r>
-                        <a:rPr lang="en-US" altLang="zh-TW" dirty="0"/>
-                        <a:t>L-BFGS-B</a:t>
-                      </a:r>
-                      <a:endParaRPr lang="zh-TW" altLang="en-US" dirty="0"/>
-                    </a:p>
-                  </a:txBody>
-                  <a:tcPr/>
-                </a:tc>
-                <a:tc>
-                  <a:txBody>
-                    <a:bodyPr/>
-                    <a:lstStyle/>
-                    <a:p>
-                      <a:pPr marL="0" marR="0" lvl="0" indent="0" algn="l" defTabSz="914400" rtl="0" eaLnBrk="1" fontAlgn="auto" latinLnBrk="0" hangingPunct="1">
-                        <a:lnSpc>
-                          <a:spcPct val="100000"/>
-                        </a:lnSpc>
-                        <a:spcBef>
-                          <a:spcPts val="0"/>
-                        </a:spcBef>
-                        <a:spcAft>
-                          <a:spcPts val="0"/>
-                        </a:spcAft>
-                        <a:buClrTx/>
-                        <a:buSzTx/>
-                        <a:buFontTx/>
-                        <a:buNone/>
-                        <a:tabLst/>
-                        <a:defRPr/>
-                      </a:pPr>
-                      <a:r>
-                        <a:rPr lang="en-US" altLang="zh-TW" dirty="0"/>
-                        <a:t>Newton</a:t>
-                      </a:r>
-                      <a:endParaRPr lang="zh-TW" altLang="en-US" dirty="0"/>
-                    </a:p>
-                  </a:txBody>
-                  <a:tcPr/>
-                </a:tc>
-                <a:extLst>
-                  <a:ext uri="{0D108BD9-81ED-4DB2-BD59-A6C34878D82A}">
-                    <a16:rowId xmlns:a16="http://schemas.microsoft.com/office/drawing/2014/main" val="892941417"/>
-                  </a:ext>
-                </a:extLst>
-              </a:tr>
-              <a:tr h="370840">
-                <a:tc>
-                  <a:txBody>
-                    <a:bodyPr/>
-                    <a:lstStyle/>
-                    <a:p>
-                      <a:r>
-                        <a:rPr lang="en-US" altLang="zh-TW" dirty="0"/>
-                        <a:t>Average iteration number</a:t>
-                      </a:r>
-                      <a:endParaRPr lang="zh-TW" altLang="en-US" dirty="0"/>
-                    </a:p>
-                  </a:txBody>
-                  <a:tcPr/>
-                </a:tc>
-                <a:tc>
-                  <a:txBody>
-                    <a:bodyPr/>
-                    <a:lstStyle/>
-                    <a:p>
-                      <a:r>
-                        <a:rPr lang="en-US" altLang="zh-TW" dirty="0"/>
-                        <a:t>167.1</a:t>
-                      </a:r>
-                      <a:endParaRPr lang="zh-TW" altLang="en-US" dirty="0"/>
-                    </a:p>
-                  </a:txBody>
-                  <a:tcPr/>
-                </a:tc>
-                <a:tc>
-                  <a:txBody>
-                    <a:bodyPr/>
-                    <a:lstStyle/>
-                    <a:p>
-                      <a:r>
-                        <a:rPr lang="en-US" altLang="zh-TW" dirty="0"/>
-                        <a:t>76.3</a:t>
-                      </a:r>
-                      <a:endParaRPr lang="zh-TW" altLang="en-US" dirty="0"/>
-                    </a:p>
-                  </a:txBody>
-                  <a:tcPr/>
-                </a:tc>
-                <a:extLst>
-                  <a:ext uri="{0D108BD9-81ED-4DB2-BD59-A6C34878D82A}">
-                    <a16:rowId xmlns:a16="http://schemas.microsoft.com/office/drawing/2014/main" val="459548575"/>
-                  </a:ext>
-                </a:extLst>
-              </a:tr>
-              <a:tr h="370840">
-                <a:tc>
-                  <a:txBody>
-                    <a:bodyPr/>
-                    <a:lstStyle/>
-                    <a:p>
-                      <a:r>
-                        <a:rPr lang="en-US" altLang="zh-TW" dirty="0"/>
-                        <a:t>Average time</a:t>
-                      </a:r>
-                      <a:endParaRPr lang="zh-TW" altLang="en-US" dirty="0"/>
-                    </a:p>
-                  </a:txBody>
-                  <a:tcPr/>
-                </a:tc>
-                <a:tc>
-                  <a:txBody>
-                    <a:bodyPr/>
-                    <a:lstStyle/>
-                    <a:p>
-                      <a:r>
-                        <a:rPr lang="en-US" altLang="zh-TW" dirty="0"/>
-                        <a:t>0.7411</a:t>
-                      </a:r>
-                      <a:endParaRPr lang="zh-TW" altLang="en-US" dirty="0"/>
-                    </a:p>
-                  </a:txBody>
-                  <a:tcPr/>
-                </a:tc>
-                <a:tc>
-                  <a:txBody>
-                    <a:bodyPr/>
-                    <a:lstStyle/>
-                    <a:p>
-                      <a:r>
-                        <a:rPr lang="en-US" altLang="zh-TW" dirty="0"/>
-                        <a:t>0.1350</a:t>
-                      </a:r>
-                      <a:endParaRPr lang="zh-TW" altLang="en-US" dirty="0"/>
-                    </a:p>
-                  </a:txBody>
-                  <a:tcPr/>
-                </a:tc>
-                <a:extLst>
-                  <a:ext uri="{0D108BD9-81ED-4DB2-BD59-A6C34878D82A}">
-                    <a16:rowId xmlns:a16="http://schemas.microsoft.com/office/drawing/2014/main" val="734208586"/>
-                  </a:ext>
-                </a:extLst>
-              </a:tr>
-            </a:tbl>
-          </a:graphicData>
-        </a:graphic>
-      </p:graphicFrame>
-    </p:spTree>
-    <p:extLst>
-      <p:ext uri="{BB962C8B-B14F-4D97-AF65-F5344CB8AC3E}">
-        <p14:creationId xmlns:p14="http://schemas.microsoft.com/office/powerpoint/2010/main" val="861640775"/>
-      </p:ext>
-    </p:extLst>
-  </p:cSld>
-  <p:clrMapOvr>
-    <a:masterClrMapping/>
-  </p:clrMapOvr>
-</p:sld>
-</file>
-
-<file path=ppt/slides/slide6.xml><?xml version="1.0" encoding="utf-8"?>
-<p:sld xmlns:a="http://schemas.openxmlformats.org/drawingml/2006/main" xmlns:r="http://schemas.openxmlformats.org/officeDocument/2006/relationships" xmlns:p="http://schemas.openxmlformats.org/presentationml/2006/main">
-  <p:cSld>
-    <p:spTree>
-      <p:nvGrpSpPr>
-        <p:cNvPr id="1" name=""/>
-        <p:cNvGrpSpPr/>
-        <p:nvPr/>
-      </p:nvGrpSpPr>
-      <p:grpSpPr>
-        <a:xfrm>
-          <a:off x="0" y="0"/>
-          <a:ext cx="0" cy="0"/>
-          <a:chOff x="0" y="0"/>
-          <a:chExt cx="0" cy="0"/>
-        </a:xfrm>
-      </p:grpSpPr>
-      <p:sp>
-        <p:nvSpPr>
-          <p:cNvPr id="2" name="標題 1">
-            <a:extLst>
-              <a:ext uri="{FF2B5EF4-FFF2-40B4-BE49-F238E27FC236}">
-                <a16:creationId xmlns:a16="http://schemas.microsoft.com/office/drawing/2014/main" id="{610247BB-C6A1-C005-F9B5-2F326A7ACC27}"/>
-              </a:ext>
-            </a:extLst>
-          </p:cNvPr>
-          <p:cNvSpPr>
-            <a:spLocks noGrp="1"/>
-          </p:cNvSpPr>
-          <p:nvPr>
-            <p:ph type="title"/>
-          </p:nvPr>
-        </p:nvSpPr>
-        <p:spPr/>
-        <p:txBody>
-          <a:bodyPr/>
-          <a:lstStyle/>
-          <a:p>
-            <a:r>
-              <a:rPr lang="en-US" altLang="zh-TW" dirty="0"/>
-              <a:t>Methods Comparison</a:t>
-            </a:r>
-            <a:endParaRPr lang="zh-TW" altLang="en-US" dirty="0"/>
-          </a:p>
-        </p:txBody>
-      </p:sp>
-      <mc:AlternateContent xmlns:mc="http://schemas.openxmlformats.org/markup-compatibility/2006">
-        <mc:Choice xmlns:a14="http://schemas.microsoft.com/office/drawing/2010/main" Requires="a14">
+      <mc:AlternateContent xmlns:mc="http://schemas.openxmlformats.org/markup-compatibility/2006" xmlns:a14="http://schemas.microsoft.com/office/drawing/2010/main">
+        <mc:Choice Requires="a14">
           <p:sp>
             <p:nvSpPr>
               <p:cNvPr id="3" name="內容版面配置區 2">
@@ -6857,7 +5295,7 @@
             </p:txBody>
           </p:sp>
         </mc:Choice>
-        <mc:Fallback>
+        <mc:Fallback xmlns="">
           <p:sp>
             <p:nvSpPr>
               <p:cNvPr id="3" name="內容版面配置區 2">
@@ -6910,7 +5348,158 @@
 </p:sld>
 </file>
 
-<file path=ppt/slides/slide7.xml><?xml version="1.0" encoding="utf-8"?>
+<file path=ppt/slides/slide3.xml><?xml version="1.0" encoding="utf-8"?>
+<p:sld xmlns:a="http://schemas.openxmlformats.org/drawingml/2006/main" xmlns:r="http://schemas.openxmlformats.org/officeDocument/2006/relationships" xmlns:p="http://schemas.openxmlformats.org/presentationml/2006/main">
+  <p:cSld>
+    <p:spTree>
+      <p:nvGrpSpPr>
+        <p:cNvPr id="1" name="">
+          <a:extLst>
+            <a:ext uri="{FF2B5EF4-FFF2-40B4-BE49-F238E27FC236}">
+              <a16:creationId xmlns:a16="http://schemas.microsoft.com/office/drawing/2014/main" id="{335A0CB4-7612-D435-2AF7-7A99EA9AAFF3}"/>
+            </a:ext>
+          </a:extLst>
+        </p:cNvPr>
+        <p:cNvGrpSpPr/>
+        <p:nvPr/>
+      </p:nvGrpSpPr>
+      <p:grpSpPr>
+        <a:xfrm>
+          <a:off x="0" y="0"/>
+          <a:ext cx="0" cy="0"/>
+          <a:chOff x="0" y="0"/>
+          <a:chExt cx="0" cy="0"/>
+        </a:xfrm>
+      </p:grpSpPr>
+      <p:sp>
+        <p:nvSpPr>
+          <p:cNvPr id="2" name="標題 1">
+            <a:extLst>
+              <a:ext uri="{FF2B5EF4-FFF2-40B4-BE49-F238E27FC236}">
+                <a16:creationId xmlns:a16="http://schemas.microsoft.com/office/drawing/2014/main" id="{B28C733F-B7FF-09E2-8B2E-F1D52AE03146}"/>
+              </a:ext>
+            </a:extLst>
+          </p:cNvPr>
+          <p:cNvSpPr>
+            <a:spLocks noGrp="1"/>
+          </p:cNvSpPr>
+          <p:nvPr>
+            <p:ph type="title"/>
+          </p:nvPr>
+        </p:nvSpPr>
+        <p:spPr/>
+        <p:txBody>
+          <a:bodyPr/>
+          <a:lstStyle/>
+          <a:p>
+            <a:r>
+              <a:rPr lang="en-US" altLang="zh-TW" dirty="0"/>
+              <a:t>Methods for Solving Relaxed LP for MIS</a:t>
+            </a:r>
+            <a:endParaRPr lang="zh-TW" altLang="en-US" dirty="0"/>
+          </a:p>
+        </p:txBody>
+      </p:sp>
+      <p:sp>
+        <p:nvSpPr>
+          <p:cNvPr id="3" name="內容版面配置區 2">
+            <a:extLst>
+              <a:ext uri="{FF2B5EF4-FFF2-40B4-BE49-F238E27FC236}">
+                <a16:creationId xmlns:a16="http://schemas.microsoft.com/office/drawing/2014/main" id="{F9B55072-2A86-FD77-77FE-0D87B551CF6C}"/>
+              </a:ext>
+            </a:extLst>
+          </p:cNvPr>
+          <p:cNvSpPr>
+            <a:spLocks noGrp="1"/>
+          </p:cNvSpPr>
+          <p:nvPr>
+            <p:ph idx="1"/>
+          </p:nvPr>
+        </p:nvSpPr>
+        <p:spPr/>
+        <p:txBody>
+          <a:bodyPr>
+            <a:normAutofit/>
+          </a:bodyPr>
+          <a:lstStyle/>
+          <a:p>
+            <a:r>
+              <a:rPr lang="en-US" altLang="zh-TW" dirty="0" err="1"/>
+              <a:t>pCQO</a:t>
+            </a:r>
+            <a:r>
+              <a:rPr lang="en-US" altLang="zh-TW" dirty="0"/>
+              <a:t>: Baseline for solving a relaxed continuous optimization problem with MGD and a new MIS checker to replace traditional tolerance termination condition.</a:t>
+            </a:r>
+          </a:p>
+          <a:p>
+            <a:pPr marL="0" indent="0">
+              <a:buNone/>
+            </a:pPr>
+            <a:endParaRPr lang="en-US" altLang="zh-TW" dirty="0"/>
+          </a:p>
+          <a:p>
+            <a:pPr marL="0" indent="0">
+              <a:buNone/>
+            </a:pPr>
+            <a:r>
+              <a:rPr lang="en-US" altLang="zh-TW" dirty="0"/>
+              <a:t>What we are exploring:</a:t>
+            </a:r>
+          </a:p>
+          <a:p>
+            <a:r>
+              <a:rPr lang="en-US" altLang="zh-TW" dirty="0"/>
+              <a:t>Newton: Follows the structure of </a:t>
+            </a:r>
+            <a:r>
+              <a:rPr lang="en-US" altLang="zh-TW" dirty="0" err="1"/>
+              <a:t>pCQO</a:t>
+            </a:r>
+            <a:r>
+              <a:rPr lang="en-US" altLang="zh-TW" dirty="0"/>
+              <a:t> but instead uses Newton to approach the relaxed optimization problem.</a:t>
+            </a:r>
+          </a:p>
+          <a:p>
+            <a:r>
+              <a:rPr lang="en-US" altLang="zh-TW" dirty="0"/>
+              <a:t>L-BFGS: Follows the structure of </a:t>
+            </a:r>
+            <a:r>
+              <a:rPr lang="en-US" altLang="zh-TW" dirty="0" err="1"/>
+              <a:t>pCQO</a:t>
+            </a:r>
+            <a:r>
+              <a:rPr lang="en-US" altLang="zh-TW" dirty="0"/>
+              <a:t> but instead uses </a:t>
+            </a:r>
+            <a:r>
+              <a:rPr lang="en-US" altLang="zh-TW" dirty="0" err="1"/>
+              <a:t>Scipy’s</a:t>
+            </a:r>
+            <a:r>
+              <a:rPr lang="en-US" altLang="zh-TW" dirty="0"/>
+              <a:t> L-BFGS-B to approach the relaxed optimization problem.</a:t>
+            </a:r>
+            <a:endParaRPr lang="zh-TW" altLang="en-US" dirty="0"/>
+          </a:p>
+        </p:txBody>
+      </p:sp>
+    </p:spTree>
+    <p:extLst>
+      <p:ext uri="{BB962C8B-B14F-4D97-AF65-F5344CB8AC3E}">
+        <p14:creationId xmlns:p14="http://schemas.microsoft.com/office/powerpoint/2010/main" val="2297152898"/>
+      </p:ext>
+    </p:extLst>
+  </p:cSld>
+  <p:clrMapOvr>
+    <a:masterClrMapping/>
+  </p:clrMapOvr>
+</p:sld>
+</file>
+
+<file path=ppt/slides/slide4.xml><?xml version="1.0" encoding="utf-8"?>
 <p:sld xmlns:a="http://schemas.openxmlformats.org/drawingml/2006/main" xmlns:r="http://schemas.openxmlformats.org/officeDocument/2006/relationships" xmlns:p="http://schemas.openxmlformats.org/presentationml/2006/main">
   <p:cSld>
     <p:spTree>
@@ -7020,7 +5609,7 @@
 </p:sld>
 </file>
 
-<file path=ppt/slides/slide8.xml><?xml version="1.0" encoding="utf-8"?>
+<file path=ppt/slides/slide5.xml><?xml version="1.0" encoding="utf-8"?>
 <p:sld xmlns:a="http://schemas.openxmlformats.org/drawingml/2006/main" xmlns:r="http://schemas.openxmlformats.org/officeDocument/2006/relationships" xmlns:p="http://schemas.openxmlformats.org/presentationml/2006/main">
   <p:cSld>
     <p:spTree>
@@ -7154,7 +5743,7 @@
 </p:sld>
 </file>
 
-<file path=ppt/slides/slide9.xml><?xml version="1.0" encoding="utf-8"?>
+<file path=ppt/slides/slide6.xml><?xml version="1.0" encoding="utf-8"?>
 <p:sld xmlns:a="http://schemas.openxmlformats.org/drawingml/2006/main" xmlns:r="http://schemas.openxmlformats.org/officeDocument/2006/relationships" xmlns:p="http://schemas.openxmlformats.org/presentationml/2006/main">
   <p:cSld>
     <p:spTree>
@@ -7171,123 +5760,6 @@
           <a:chExt cx="0" cy="0"/>
         </a:xfrm>
       </p:grpSpPr>
-      <p:sp>
-        <p:nvSpPr>
-          <p:cNvPr id="7" name="矩形 6">
-            <a:extLst>
-              <a:ext uri="{FF2B5EF4-FFF2-40B4-BE49-F238E27FC236}">
-                <a16:creationId xmlns:a16="http://schemas.microsoft.com/office/drawing/2014/main" id="{F5B35068-45D8-F7E5-BD4C-A73E4EF65CD4}"/>
-              </a:ext>
-            </a:extLst>
-          </p:cNvPr>
-          <p:cNvSpPr/>
-          <p:nvPr/>
-        </p:nvSpPr>
-        <p:spPr>
-          <a:xfrm>
-            <a:off x="7291010" y="1490133"/>
-            <a:ext cx="3589867" cy="2308324"/>
-          </a:xfrm>
-          <a:prstGeom prst="rect">
-            <a:avLst/>
-          </a:prstGeom>
-        </p:spPr>
-        <p:style>
-          <a:lnRef idx="2">
-            <a:schemeClr val="accent4"/>
-          </a:lnRef>
-          <a:fillRef idx="1">
-            <a:schemeClr val="lt1"/>
-          </a:fillRef>
-          <a:effectRef idx="0">
-            <a:schemeClr val="accent4"/>
-          </a:effectRef>
-          <a:fontRef idx="minor">
-            <a:schemeClr val="dk1"/>
-          </a:fontRef>
-        </p:style>
-        <p:txBody>
-          <a:bodyPr rtlCol="0" anchor="ctr"/>
-          <a:lstStyle/>
-          <a:p>
-            <a:pPr algn="ctr"/>
-            <a:endParaRPr lang="zh-TW" altLang="en-US"/>
-          </a:p>
-        </p:txBody>
-      </p:sp>
-      <p:sp>
-        <p:nvSpPr>
-          <p:cNvPr id="3" name="矩形 2">
-            <a:extLst>
-              <a:ext uri="{FF2B5EF4-FFF2-40B4-BE49-F238E27FC236}">
-                <a16:creationId xmlns:a16="http://schemas.microsoft.com/office/drawing/2014/main" id="{99BC852A-D552-77D9-E5AB-5029095D37CD}"/>
-              </a:ext>
-            </a:extLst>
-          </p:cNvPr>
-          <p:cNvSpPr/>
-          <p:nvPr/>
-        </p:nvSpPr>
-        <p:spPr>
-          <a:xfrm>
-            <a:off x="4093029" y="1490133"/>
-            <a:ext cx="3197981" cy="2308324"/>
-          </a:xfrm>
-          <a:prstGeom prst="rect">
-            <a:avLst/>
-          </a:prstGeom>
-        </p:spPr>
-        <p:style>
-          <a:lnRef idx="2">
-            <a:schemeClr val="accent6"/>
-          </a:lnRef>
-          <a:fillRef idx="1">
-            <a:schemeClr val="lt1"/>
-          </a:fillRef>
-          <a:effectRef idx="0">
-            <a:schemeClr val="accent6"/>
-          </a:effectRef>
-          <a:fontRef idx="minor">
-            <a:schemeClr val="dk1"/>
-          </a:fontRef>
-        </p:style>
-        <p:txBody>
-          <a:bodyPr rtlCol="0" anchor="ctr"/>
-          <a:lstStyle/>
-          <a:p>
-            <a:pPr algn="ctr"/>
-            <a:endParaRPr lang="zh-TW" altLang="en-US"/>
-          </a:p>
-        </p:txBody>
-      </p:sp>
-      <p:sp>
-        <p:nvSpPr>
-          <p:cNvPr id="2" name="標題 1">
-            <a:extLst>
-              <a:ext uri="{FF2B5EF4-FFF2-40B4-BE49-F238E27FC236}">
-                <a16:creationId xmlns:a16="http://schemas.microsoft.com/office/drawing/2014/main" id="{A3F1FC77-64E2-2240-5FC6-CAA21757CDED}"/>
-              </a:ext>
-            </a:extLst>
-          </p:cNvPr>
-          <p:cNvSpPr>
-            <a:spLocks noGrp="1"/>
-          </p:cNvSpPr>
-          <p:nvPr>
-            <p:ph type="title"/>
-          </p:nvPr>
-        </p:nvSpPr>
-        <p:spPr/>
-        <p:txBody>
-          <a:bodyPr/>
-          <a:lstStyle/>
-          <a:p>
-            <a:r>
-              <a:rPr lang="en-US" altLang="zh-TW" dirty="0"/>
-              <a:t>Comparison with CPU Based Baselines</a:t>
-            </a:r>
-            <a:endParaRPr lang="zh-TW" altLang="en-US" dirty="0"/>
-          </a:p>
-        </p:txBody>
-      </p:sp>
       <p:graphicFrame>
         <p:nvGraphicFramePr>
           <p:cNvPr id="4" name="內容版面配置區 3">
@@ -7983,26 +6455,145 @@
       </p:graphicFrame>
       <p:sp>
         <p:nvSpPr>
-          <p:cNvPr id="5" name="文字方塊 4">
-            <a:extLst>
-              <a:ext uri="{FF2B5EF4-FFF2-40B4-BE49-F238E27FC236}">
-                <a16:creationId xmlns:a16="http://schemas.microsoft.com/office/drawing/2014/main" id="{62AA7337-02A0-BFBB-13D8-63AA8444EA37}"/>
-              </a:ext>
-            </a:extLst>
-          </p:cNvPr>
-          <p:cNvSpPr txBox="1"/>
+          <p:cNvPr id="7" name="矩形 6">
+            <a:extLst>
+              <a:ext uri="{FF2B5EF4-FFF2-40B4-BE49-F238E27FC236}">
+                <a16:creationId xmlns:a16="http://schemas.microsoft.com/office/drawing/2014/main" id="{F5B35068-45D8-F7E5-BD4C-A73E4EF65CD4}"/>
+              </a:ext>
+            </a:extLst>
+          </p:cNvPr>
+          <p:cNvSpPr/>
           <p:nvPr/>
         </p:nvSpPr>
         <p:spPr>
           <a:xfrm>
-            <a:off x="788610" y="4686390"/>
-            <a:ext cx="10232572" cy="1754326"/>
+            <a:off x="7291010" y="1490133"/>
+            <a:ext cx="3589867" cy="2308324"/>
           </a:xfrm>
           <a:prstGeom prst="rect">
             <a:avLst/>
           </a:prstGeom>
           <a:noFill/>
         </p:spPr>
+        <p:style>
+          <a:lnRef idx="2">
+            <a:schemeClr val="accent4"/>
+          </a:lnRef>
+          <a:fillRef idx="1">
+            <a:schemeClr val="lt1"/>
+          </a:fillRef>
+          <a:effectRef idx="0">
+            <a:schemeClr val="accent4"/>
+          </a:effectRef>
+          <a:fontRef idx="minor">
+            <a:schemeClr val="dk1"/>
+          </a:fontRef>
+        </p:style>
+        <p:txBody>
+          <a:bodyPr rtlCol="0" anchor="ctr"/>
+          <a:lstStyle/>
+          <a:p>
+            <a:pPr algn="ctr"/>
+            <a:endParaRPr lang="zh-TW" altLang="en-US"/>
+          </a:p>
+        </p:txBody>
+      </p:sp>
+      <p:sp>
+        <p:nvSpPr>
+          <p:cNvPr id="3" name="矩形 2">
+            <a:extLst>
+              <a:ext uri="{FF2B5EF4-FFF2-40B4-BE49-F238E27FC236}">
+                <a16:creationId xmlns:a16="http://schemas.microsoft.com/office/drawing/2014/main" id="{99BC852A-D552-77D9-E5AB-5029095D37CD}"/>
+              </a:ext>
+            </a:extLst>
+          </p:cNvPr>
+          <p:cNvSpPr/>
+          <p:nvPr/>
+        </p:nvSpPr>
+        <p:spPr>
+          <a:xfrm>
+            <a:off x="4093029" y="1490133"/>
+            <a:ext cx="3197981" cy="2308324"/>
+          </a:xfrm>
+          <a:prstGeom prst="rect">
+            <a:avLst/>
+          </a:prstGeom>
+          <a:noFill/>
+        </p:spPr>
+        <p:style>
+          <a:lnRef idx="2">
+            <a:schemeClr val="accent6"/>
+          </a:lnRef>
+          <a:fillRef idx="1">
+            <a:schemeClr val="lt1"/>
+          </a:fillRef>
+          <a:effectRef idx="0">
+            <a:schemeClr val="accent6"/>
+          </a:effectRef>
+          <a:fontRef idx="minor">
+            <a:schemeClr val="dk1"/>
+          </a:fontRef>
+        </p:style>
+        <p:txBody>
+          <a:bodyPr rtlCol="0" anchor="ctr"/>
+          <a:lstStyle/>
+          <a:p>
+            <a:pPr algn="ctr"/>
+            <a:endParaRPr lang="zh-TW" altLang="en-US"/>
+          </a:p>
+        </p:txBody>
+      </p:sp>
+      <p:sp>
+        <p:nvSpPr>
+          <p:cNvPr id="2" name="標題 1">
+            <a:extLst>
+              <a:ext uri="{FF2B5EF4-FFF2-40B4-BE49-F238E27FC236}">
+                <a16:creationId xmlns:a16="http://schemas.microsoft.com/office/drawing/2014/main" id="{A3F1FC77-64E2-2240-5FC6-CAA21757CDED}"/>
+              </a:ext>
+            </a:extLst>
+          </p:cNvPr>
+          <p:cNvSpPr>
+            <a:spLocks noGrp="1"/>
+          </p:cNvSpPr>
+          <p:nvPr>
+            <p:ph type="title"/>
+          </p:nvPr>
+        </p:nvSpPr>
+        <p:spPr/>
+        <p:txBody>
+          <a:bodyPr/>
+          <a:lstStyle/>
+          <a:p>
+            <a:r>
+              <a:rPr lang="en-US" altLang="zh-TW" dirty="0"/>
+              <a:t>Comparison with CPU Based Baselines</a:t>
+            </a:r>
+            <a:endParaRPr lang="zh-TW" altLang="en-US" dirty="0"/>
+          </a:p>
+        </p:txBody>
+      </p:sp>
+      <p:sp>
+        <p:nvSpPr>
+          <p:cNvPr id="5" name="文字方塊 4">
+            <a:extLst>
+              <a:ext uri="{FF2B5EF4-FFF2-40B4-BE49-F238E27FC236}">
+                <a16:creationId xmlns:a16="http://schemas.microsoft.com/office/drawing/2014/main" id="{62AA7337-02A0-BFBB-13D8-63AA8444EA37}"/>
+              </a:ext>
+            </a:extLst>
+          </p:cNvPr>
+          <p:cNvSpPr txBox="1"/>
+          <p:nvPr/>
+        </p:nvSpPr>
+        <p:spPr>
+          <a:xfrm>
+            <a:off x="979714" y="4972579"/>
+            <a:ext cx="10232572" cy="923330"/>
+          </a:xfrm>
+          <a:prstGeom prst="rect">
+            <a:avLst/>
+          </a:prstGeom>
+          <a:noFill/>
+        </p:spPr>
         <p:txBody>
           <a:bodyPr wrap="square" rtlCol="0">
             <a:spAutoFit/>
@@ -8011,18 +6602,16 @@
           <a:p>
             <a:r>
               <a:rPr lang="en-US" altLang="zh-TW" dirty="0"/>
-              <a:t>Note that both integer programming methods uses thread-based parallelization, but the three gradient-based methods do not. The code is run on my local computer for initial results and is also able to run on advanced computational systems for future reports. </a:t>
-            </a:r>
-          </a:p>
-          <a:p>
-            <a:endParaRPr lang="en-US" altLang="zh-TW" dirty="0"/>
-          </a:p>
-          <a:p>
+              <a:t>Note that both CP-SAT and </a:t>
+            </a:r>
+            <a:r>
+              <a:rPr lang="en-US" altLang="zh-TW" dirty="0" err="1"/>
+              <a:t>Gurobi</a:t>
+            </a:r>
             <a:r>
               <a:rPr lang="en-US" altLang="zh-TW" dirty="0"/>
-              <a:t>Maximum iteration for the three gradient based methods are set to 150 across all runs, leading to possible failing cases which report 0 that drags down the average solution size in for larger graphs.</a:t>
-            </a:r>
-            <a:endParaRPr lang="zh-TW" altLang="en-US" dirty="0"/>
+              <a:t> use thread-based parallelization, but the three gradient-based methods do not. The code is run on my local computer for initial results and is also able to run on advanced computational systems for future reports. </a:t>
+            </a:r>
           </a:p>
         </p:txBody>
       </p:sp>
@@ -8110,6 +6699,1408 @@
     <p:extLst>
       <p:ext uri="{BB962C8B-B14F-4D97-AF65-F5344CB8AC3E}">
         <p14:creationId xmlns:p14="http://schemas.microsoft.com/office/powerpoint/2010/main" val="2455897661"/>
+      </p:ext>
+    </p:extLst>
+  </p:cSld>
+  <p:clrMapOvr>
+    <a:masterClrMapping/>
+  </p:clrMapOvr>
+</p:sld>
+</file>
+
+<file path=ppt/slides/slide7.xml><?xml version="1.0" encoding="utf-8"?>
+<p:sld xmlns:a="http://schemas.openxmlformats.org/drawingml/2006/main" xmlns:r="http://schemas.openxmlformats.org/officeDocument/2006/relationships" xmlns:p="http://schemas.openxmlformats.org/presentationml/2006/main">
+  <p:cSld>
+    <p:spTree>
+      <p:nvGrpSpPr>
+        <p:cNvPr id="1" name=""/>
+        <p:cNvGrpSpPr/>
+        <p:nvPr/>
+      </p:nvGrpSpPr>
+      <p:grpSpPr>
+        <a:xfrm>
+          <a:off x="0" y="0"/>
+          <a:ext cx="0" cy="0"/>
+          <a:chOff x="0" y="0"/>
+          <a:chExt cx="0" cy="0"/>
+        </a:xfrm>
+      </p:grpSpPr>
+      <p:sp>
+        <p:nvSpPr>
+          <p:cNvPr id="2" name="標題 1">
+            <a:extLst>
+              <a:ext uri="{FF2B5EF4-FFF2-40B4-BE49-F238E27FC236}">
+                <a16:creationId xmlns:a16="http://schemas.microsoft.com/office/drawing/2014/main" id="{3C56B079-E682-0BD4-E51B-6BE32BC7EB86}"/>
+              </a:ext>
+            </a:extLst>
+          </p:cNvPr>
+          <p:cNvSpPr>
+            <a:spLocks noGrp="1"/>
+          </p:cNvSpPr>
+          <p:nvPr>
+            <p:ph type="title"/>
+          </p:nvPr>
+        </p:nvSpPr>
+        <p:spPr/>
+        <p:txBody>
+          <a:bodyPr/>
+          <a:lstStyle/>
+          <a:p>
+            <a:r>
+              <a:rPr lang="en-US" altLang="zh-TW" dirty="0"/>
+              <a:t>Gradient Based Methods by Number of Initializations  </a:t>
+            </a:r>
+            <a:endParaRPr lang="zh-TW" altLang="en-US" dirty="0"/>
+          </a:p>
+        </p:txBody>
+      </p:sp>
+      <mc:AlternateContent xmlns:mc="http://schemas.openxmlformats.org/markup-compatibility/2006" xmlns:a14="http://schemas.microsoft.com/office/drawing/2010/main">
+        <mc:Choice Requires="a14">
+          <p:sp>
+            <p:nvSpPr>
+              <p:cNvPr id="3" name="內容版面配置區 2">
+                <a:extLst>
+                  <a:ext uri="{FF2B5EF4-FFF2-40B4-BE49-F238E27FC236}">
+                    <a16:creationId xmlns:a16="http://schemas.microsoft.com/office/drawing/2014/main" id="{F297F335-6FA2-D5EC-B3E0-AB2C13E3A30D}"/>
+                  </a:ext>
+                </a:extLst>
+              </p:cNvPr>
+              <p:cNvSpPr>
+                <a:spLocks noGrp="1"/>
+              </p:cNvSpPr>
+              <p:nvPr>
+                <p:ph idx="1"/>
+              </p:nvPr>
+            </p:nvSpPr>
+            <p:spPr/>
+            <p:txBody>
+              <a:bodyPr/>
+              <a:lstStyle/>
+              <a:p>
+                <a14:m>
+                  <m:oMath xmlns:m="http://schemas.openxmlformats.org/officeDocument/2006/math">
+                    <m:r>
+                      <a:rPr lang="en-US" altLang="zh-TW" i="1">
+                        <a:latin typeface="Cambria Math" panose="02040503050406030204" pitchFamily="18" charset="0"/>
+                      </a:rPr>
+                      <m:t>1</m:t>
+                    </m:r>
+                    <m:r>
+                      <a:rPr lang="en-US" altLang="zh-TW" b="0" i="1" smtClean="0">
+                        <a:latin typeface="Cambria Math" panose="02040503050406030204" pitchFamily="18" charset="0"/>
+                      </a:rPr>
+                      <m:t>0 </m:t>
+                    </m:r>
+                  </m:oMath>
+                </a14:m>
+                <a:r>
+                  <a:rPr lang="en-US" altLang="zh-TW" dirty="0"/>
+                  <a:t>trials for each instance in </a:t>
+                </a:r>
+                <a14:m>
+                  <m:oMath xmlns:m="http://schemas.openxmlformats.org/officeDocument/2006/math">
+                    <m:r>
+                      <a:rPr lang="en-US" altLang="zh-TW" b="0" i="1" smtClean="0">
+                        <a:latin typeface="Cambria Math" panose="02040503050406030204" pitchFamily="18" charset="0"/>
+                      </a:rPr>
+                      <m:t>𝐸𝑅</m:t>
+                    </m:r>
+                    <m:r>
+                      <a:rPr lang="en-US" altLang="zh-TW" b="0" i="1" smtClean="0">
+                        <a:latin typeface="Cambria Math" panose="02040503050406030204" pitchFamily="18" charset="0"/>
+                      </a:rPr>
+                      <m:t>(500, 0.5,</m:t>
+                    </m:r>
+                  </m:oMath>
+                </a14:m>
+                <a:r>
+                  <a:rPr lang="en-US" altLang="zh-TW" b="0" i="1" dirty="0">
+                    <a:latin typeface="Cambria Math" panose="02040503050406030204" pitchFamily="18" charset="0"/>
+                  </a:rPr>
+                  <a:t> seed 0 to 49</a:t>
+                </a:r>
+                <a14:m>
+                  <m:oMath xmlns:m="http://schemas.openxmlformats.org/officeDocument/2006/math">
+                    <m:r>
+                      <a:rPr lang="en-US" altLang="zh-TW" b="0" i="1" smtClean="0">
+                        <a:latin typeface="Cambria Math" panose="02040503050406030204" pitchFamily="18" charset="0"/>
+                      </a:rPr>
+                      <m:t>)</m:t>
+                    </m:r>
+                  </m:oMath>
+                </a14:m>
+                <a:r>
+                  <a:rPr lang="en-US" altLang="zh-TW" b="0" i="1" dirty="0">
+                    <a:latin typeface="Cambria Math" panose="02040503050406030204" pitchFamily="18" charset="0"/>
+                  </a:rPr>
+                  <a:t>. </a:t>
+                </a:r>
+              </a:p>
+              <a:p>
+                <a:endParaRPr lang="en-US" altLang="zh-TW" b="0" i="1" dirty="0"/>
+              </a:p>
+              <a:p>
+                <a:r>
+                  <a:rPr lang="en-US" altLang="zh-TW" b="0" dirty="0"/>
+                  <a:t>The solution size of a seed is the best solution size of the </a:t>
+                </a:r>
+                <a14:m>
+                  <m:oMath xmlns:m="http://schemas.openxmlformats.org/officeDocument/2006/math">
+                    <m:r>
+                      <a:rPr lang="en-US" altLang="zh-TW" b="0" i="1" dirty="0" smtClean="0">
+                        <a:latin typeface="Cambria Math" panose="02040503050406030204" pitchFamily="18" charset="0"/>
+                      </a:rPr>
+                      <m:t>10</m:t>
+                    </m:r>
+                  </m:oMath>
+                </a14:m>
+                <a:r>
+                  <a:rPr lang="en-US" altLang="zh-TW" b="0" dirty="0"/>
+                  <a:t> trials, and the average </a:t>
+                </a:r>
+                <a:r>
+                  <a:rPr lang="en-US" altLang="zh-TW" dirty="0"/>
+                  <a:t>number of iteration and time for all trials.</a:t>
+                </a:r>
+              </a:p>
+              <a:p>
+                <a:endParaRPr lang="en-US" altLang="zh-TW" b="0" dirty="0"/>
+              </a:p>
+              <a:p>
+                <a:r>
+                  <a:rPr lang="en-US" altLang="zh-TW" dirty="0"/>
+                  <a:t>Newton and L-BFGS-B both show improvement on finding larger solution over baseline MGD but take more time to solve.</a:t>
+                </a:r>
+                <a:r>
+                  <a:rPr lang="zh-TW" altLang="en-US" dirty="0"/>
+                  <a:t> </a:t>
+                </a:r>
+                <a:r>
+                  <a:rPr lang="en-US" altLang="zh-TW" dirty="0"/>
+                  <a:t>In particular, L-BFGS-B &gt; Newton &gt; MGD, where MGD is the choice of solver in </a:t>
+                </a:r>
+                <a:r>
+                  <a:rPr lang="en-US" altLang="zh-TW" dirty="0" err="1"/>
+                  <a:t>pCQO</a:t>
+                </a:r>
+                <a:r>
+                  <a:rPr lang="en-US" altLang="zh-TW" dirty="0"/>
+                  <a:t>, the baseline method for solving a relaxed  LP.</a:t>
+                </a:r>
+                <a:endParaRPr lang="en-US" altLang="zh-TW" b="0" dirty="0"/>
+              </a:p>
+              <a:p>
+                <a:pPr marL="0" indent="0">
+                  <a:buNone/>
+                </a:pPr>
+                <a:endParaRPr lang="en-US" altLang="zh-TW" b="0" dirty="0"/>
+              </a:p>
+              <a:p>
+                <a:endParaRPr lang="en-US" altLang="zh-TW" b="0" dirty="0">
+                  <a:latin typeface="Cambria Math" panose="02040503050406030204" pitchFamily="18" charset="0"/>
+                </a:endParaRPr>
+              </a:p>
+              <a:p>
+                <a:pPr marL="0" indent="0">
+                  <a:buNone/>
+                </a:pPr>
+                <a:endParaRPr lang="en-US" altLang="zh-TW" dirty="0"/>
+              </a:p>
+              <a:p>
+                <a:pPr marL="0" indent="0">
+                  <a:buNone/>
+                </a:pPr>
+                <a:endParaRPr lang="en-US" altLang="zh-TW" dirty="0"/>
+              </a:p>
+            </p:txBody>
+          </p:sp>
+        </mc:Choice>
+        <mc:Fallback xmlns="">
+          <p:sp>
+            <p:nvSpPr>
+              <p:cNvPr id="3" name="內容版面配置區 2">
+                <a:extLst>
+                  <a:ext uri="{FF2B5EF4-FFF2-40B4-BE49-F238E27FC236}">
+                    <a16:creationId xmlns:a16="http://schemas.microsoft.com/office/drawing/2014/main" id="{F297F335-6FA2-D5EC-B3E0-AB2C13E3A30D}"/>
+                  </a:ext>
+                </a:extLst>
+              </p:cNvPr>
+              <p:cNvSpPr>
+                <a:spLocks noGrp="1" noRot="1" noChangeAspect="1" noMove="1" noResize="1" noEditPoints="1" noAdjustHandles="1" noChangeArrowheads="1" noChangeShapeType="1" noTextEdit="1"/>
+              </p:cNvSpPr>
+              <p:nvPr>
+                <p:ph idx="1"/>
+              </p:nvPr>
+            </p:nvSpPr>
+            <p:spPr>
+              <a:blipFill>
+                <a:blip r:embed="rId2"/>
+                <a:stretch>
+                  <a:fillRect l="-1043" t="-2661" r="-1391"/>
+                </a:stretch>
+              </a:blipFill>
+            </p:spPr>
+            <p:txBody>
+              <a:bodyPr/>
+              <a:lstStyle/>
+              <a:p>
+                <a:r>
+                  <a:rPr lang="zh-TW" altLang="en-US">
+                    <a:noFill/>
+                  </a:rPr>
+                  <a:t> </a:t>
+                </a:r>
+              </a:p>
+            </p:txBody>
+          </p:sp>
+        </mc:Fallback>
+      </mc:AlternateContent>
+    </p:spTree>
+    <p:extLst>
+      <p:ext uri="{BB962C8B-B14F-4D97-AF65-F5344CB8AC3E}">
+        <p14:creationId xmlns:p14="http://schemas.microsoft.com/office/powerpoint/2010/main" val="1342911814"/>
+      </p:ext>
+    </p:extLst>
+  </p:cSld>
+  <p:clrMapOvr>
+    <a:masterClrMapping/>
+  </p:clrMapOvr>
+</p:sld>
+</file>
+
+<file path=ppt/slides/slide8.xml><?xml version="1.0" encoding="utf-8"?>
+<p:sld xmlns:a="http://schemas.openxmlformats.org/drawingml/2006/main" xmlns:r="http://schemas.openxmlformats.org/officeDocument/2006/relationships" xmlns:p="http://schemas.openxmlformats.org/presentationml/2006/main">
+  <p:cSld>
+    <p:spTree>
+      <p:nvGrpSpPr>
+        <p:cNvPr id="1" name="">
+          <a:extLst>
+            <a:ext uri="{FF2B5EF4-FFF2-40B4-BE49-F238E27FC236}">
+              <a16:creationId xmlns:a16="http://schemas.microsoft.com/office/drawing/2014/main" id="{A00940A5-D8FC-EE2B-3397-91039915B422}"/>
+            </a:ext>
+          </a:extLst>
+        </p:cNvPr>
+        <p:cNvGrpSpPr/>
+        <p:nvPr/>
+      </p:nvGrpSpPr>
+      <p:grpSpPr>
+        <a:xfrm>
+          <a:off x="0" y="0"/>
+          <a:ext cx="0" cy="0"/>
+          <a:chOff x="0" y="0"/>
+          <a:chExt cx="0" cy="0"/>
+        </a:xfrm>
+      </p:grpSpPr>
+      <p:sp>
+        <p:nvSpPr>
+          <p:cNvPr id="2" name="標題 1">
+            <a:extLst>
+              <a:ext uri="{FF2B5EF4-FFF2-40B4-BE49-F238E27FC236}">
+                <a16:creationId xmlns:a16="http://schemas.microsoft.com/office/drawing/2014/main" id="{AD375141-841E-B67B-6149-0565256595A6}"/>
+              </a:ext>
+            </a:extLst>
+          </p:cNvPr>
+          <p:cNvSpPr>
+            <a:spLocks noGrp="1"/>
+          </p:cNvSpPr>
+          <p:nvPr>
+            <p:ph type="title"/>
+          </p:nvPr>
+        </p:nvSpPr>
+        <p:spPr/>
+        <p:txBody>
+          <a:bodyPr/>
+          <a:lstStyle/>
+          <a:p>
+            <a:r>
+              <a:rPr lang="en-US" altLang="zh-TW" dirty="0"/>
+              <a:t>Baseline MGD with and without Third Term</a:t>
+            </a:r>
+            <a:endParaRPr lang="zh-TW" altLang="en-US" dirty="0"/>
+          </a:p>
+        </p:txBody>
+      </p:sp>
+      <p:sp>
+        <p:nvSpPr>
+          <p:cNvPr id="3" name="內容版面配置區 2">
+            <a:extLst>
+              <a:ext uri="{FF2B5EF4-FFF2-40B4-BE49-F238E27FC236}">
+                <a16:creationId xmlns:a16="http://schemas.microsoft.com/office/drawing/2014/main" id="{798D140C-2B7E-0F00-0087-F14B13FCB289}"/>
+              </a:ext>
+            </a:extLst>
+          </p:cNvPr>
+          <p:cNvSpPr>
+            <a:spLocks noGrp="1"/>
+          </p:cNvSpPr>
+          <p:nvPr>
+            <p:ph idx="1"/>
+          </p:nvPr>
+        </p:nvSpPr>
+        <p:spPr/>
+        <p:txBody>
+          <a:bodyPr>
+            <a:normAutofit/>
+          </a:bodyPr>
+          <a:lstStyle/>
+          <a:p>
+            <a:r>
+              <a:rPr lang="en-US" altLang="zh-TW" dirty="0"/>
+              <a:t>Comparison by solution size:</a:t>
+            </a:r>
+          </a:p>
+          <a:p>
+            <a:endParaRPr lang="en-US" altLang="zh-TW" dirty="0"/>
+          </a:p>
+          <a:p>
+            <a:pPr marL="0" indent="0">
+              <a:buNone/>
+            </a:pPr>
+            <a:endParaRPr lang="en-US" altLang="zh-TW" dirty="0"/>
+          </a:p>
+          <a:p>
+            <a:endParaRPr lang="en-US" altLang="zh-TW" dirty="0"/>
+          </a:p>
+          <a:p>
+            <a:endParaRPr lang="en-US" altLang="zh-TW" dirty="0"/>
+          </a:p>
+          <a:p>
+            <a:r>
+              <a:rPr lang="en-US" altLang="zh-TW" dirty="0"/>
+              <a:t>Comparison by iteration number/time:</a:t>
+            </a:r>
+            <a:br>
+              <a:rPr lang="en-US" altLang="zh-TW" dirty="0"/>
+            </a:br>
+            <a:endParaRPr lang="en-US" altLang="zh-TW" dirty="0"/>
+          </a:p>
+          <a:p>
+            <a:pPr marL="0" indent="0">
+              <a:buNone/>
+            </a:pPr>
+            <a:endParaRPr lang="en-US" altLang="zh-TW" dirty="0"/>
+          </a:p>
+        </p:txBody>
+      </p:sp>
+      <p:graphicFrame>
+        <p:nvGraphicFramePr>
+          <p:cNvPr id="5" name="表格 4">
+            <a:extLst>
+              <a:ext uri="{FF2B5EF4-FFF2-40B4-BE49-F238E27FC236}">
+                <a16:creationId xmlns:a16="http://schemas.microsoft.com/office/drawing/2014/main" id="{32E7A96D-0DC4-B687-FB2E-89654E5BB902}"/>
+              </a:ext>
+            </a:extLst>
+          </p:cNvPr>
+          <p:cNvGraphicFramePr>
+            <a:graphicFrameLocks noGrp="1"/>
+          </p:cNvGraphicFramePr>
+          <p:nvPr/>
+        </p:nvGraphicFramePr>
+        <p:xfrm>
+          <a:off x="2031999" y="2481004"/>
+          <a:ext cx="8127999" cy="1010920"/>
+        </p:xfrm>
+        <a:graphic>
+          <a:graphicData uri="http://schemas.openxmlformats.org/drawingml/2006/table">
+            <a:tbl>
+              <a:tblPr firstRow="1" bandRow="1">
+                <a:tableStyleId>{5C22544A-7EE6-4342-B048-85BDC9FD1C3A}</a:tableStyleId>
+              </a:tblPr>
+              <a:tblGrid>
+                <a:gridCol w="2709333">
+                  <a:extLst>
+                    <a:ext uri="{9D8B030D-6E8A-4147-A177-3AD203B41FA5}">
+                      <a16:colId xmlns:a16="http://schemas.microsoft.com/office/drawing/2014/main" val="2569595802"/>
+                    </a:ext>
+                  </a:extLst>
+                </a:gridCol>
+                <a:gridCol w="2709333">
+                  <a:extLst>
+                    <a:ext uri="{9D8B030D-6E8A-4147-A177-3AD203B41FA5}">
+                      <a16:colId xmlns:a16="http://schemas.microsoft.com/office/drawing/2014/main" val="1635722179"/>
+                    </a:ext>
+                  </a:extLst>
+                </a:gridCol>
+                <a:gridCol w="2709333">
+                  <a:extLst>
+                    <a:ext uri="{9D8B030D-6E8A-4147-A177-3AD203B41FA5}">
+                      <a16:colId xmlns:a16="http://schemas.microsoft.com/office/drawing/2014/main" val="3556533337"/>
+                    </a:ext>
+                  </a:extLst>
+                </a:gridCol>
+              </a:tblGrid>
+              <a:tr h="370840">
+                <a:tc>
+                  <a:txBody>
+                    <a:bodyPr/>
+                    <a:lstStyle/>
+                    <a:p>
+                      <a:endParaRPr lang="zh-TW" altLang="en-US" dirty="0"/>
+                    </a:p>
+                  </a:txBody>
+                  <a:tcPr/>
+                </a:tc>
+                <a:tc>
+                  <a:txBody>
+                    <a:bodyPr/>
+                    <a:lstStyle/>
+                    <a:p>
+                      <a:r>
+                        <a:rPr lang="en-US" altLang="zh-TW" dirty="0"/>
+                        <a:t>MGD without Third Term</a:t>
+                      </a:r>
+                      <a:endParaRPr lang="zh-TW" altLang="en-US" dirty="0"/>
+                    </a:p>
+                  </a:txBody>
+                  <a:tcPr/>
+                </a:tc>
+                <a:tc>
+                  <a:txBody>
+                    <a:bodyPr/>
+                    <a:lstStyle/>
+                    <a:p>
+                      <a:r>
+                        <a:rPr lang="en-US" altLang="zh-TW" dirty="0"/>
+                        <a:t>MGD with Third Term</a:t>
+                      </a:r>
+                      <a:endParaRPr lang="zh-TW" altLang="en-US" dirty="0"/>
+                    </a:p>
+                  </a:txBody>
+                  <a:tcPr/>
+                </a:tc>
+                <a:extLst>
+                  <a:ext uri="{0D108BD9-81ED-4DB2-BD59-A6C34878D82A}">
+                    <a16:rowId xmlns:a16="http://schemas.microsoft.com/office/drawing/2014/main" val="330757575"/>
+                  </a:ext>
+                </a:extLst>
+              </a:tr>
+              <a:tr h="370840">
+                <a:tc>
+                  <a:txBody>
+                    <a:bodyPr/>
+                    <a:lstStyle/>
+                    <a:p>
+                      <a:r>
+                        <a:rPr lang="en-US" altLang="zh-TW" dirty="0"/>
+                        <a:t>Average solution size</a:t>
+                      </a:r>
+                      <a:endParaRPr lang="zh-TW" altLang="en-US" dirty="0"/>
+                    </a:p>
+                  </a:txBody>
+                  <a:tcPr/>
+                </a:tc>
+                <a:tc>
+                  <a:txBody>
+                    <a:bodyPr/>
+                    <a:lstStyle/>
+                    <a:p>
+                      <a:r>
+                        <a:rPr lang="en-US" altLang="zh-TW" dirty="0"/>
+                        <a:t>10.8</a:t>
+                      </a:r>
+                      <a:endParaRPr lang="zh-TW" altLang="en-US" dirty="0"/>
+                    </a:p>
+                  </a:txBody>
+                  <a:tcPr/>
+                </a:tc>
+                <a:tc>
+                  <a:txBody>
+                    <a:bodyPr/>
+                    <a:lstStyle/>
+                    <a:p>
+                      <a:r>
+                        <a:rPr lang="en-US" altLang="zh-TW" dirty="0"/>
+                        <a:t>10.8</a:t>
+                      </a:r>
+                      <a:endParaRPr lang="zh-TW" altLang="en-US" dirty="0"/>
+                    </a:p>
+                  </a:txBody>
+                  <a:tcPr/>
+                </a:tc>
+                <a:extLst>
+                  <a:ext uri="{0D108BD9-81ED-4DB2-BD59-A6C34878D82A}">
+                    <a16:rowId xmlns:a16="http://schemas.microsoft.com/office/drawing/2014/main" val="333671337"/>
+                  </a:ext>
+                </a:extLst>
+              </a:tr>
+            </a:tbl>
+          </a:graphicData>
+        </a:graphic>
+      </p:graphicFrame>
+      <p:graphicFrame>
+        <p:nvGraphicFramePr>
+          <p:cNvPr id="6" name="表格 5">
+            <a:extLst>
+              <a:ext uri="{FF2B5EF4-FFF2-40B4-BE49-F238E27FC236}">
+                <a16:creationId xmlns:a16="http://schemas.microsoft.com/office/drawing/2014/main" id="{24A248D6-3636-C003-F375-CD2C3A243BEC}"/>
+              </a:ext>
+            </a:extLst>
+          </p:cNvPr>
+          <p:cNvGraphicFramePr>
+            <a:graphicFrameLocks noGrp="1"/>
+          </p:cNvGraphicFramePr>
+          <p:nvPr/>
+        </p:nvGraphicFramePr>
+        <p:xfrm>
+          <a:off x="2032000" y="4972352"/>
+          <a:ext cx="8127999" cy="1381760"/>
+        </p:xfrm>
+        <a:graphic>
+          <a:graphicData uri="http://schemas.openxmlformats.org/drawingml/2006/table">
+            <a:tbl>
+              <a:tblPr firstRow="1" bandRow="1">
+                <a:tableStyleId>{5C22544A-7EE6-4342-B048-85BDC9FD1C3A}</a:tableStyleId>
+              </a:tblPr>
+              <a:tblGrid>
+                <a:gridCol w="2709333">
+                  <a:extLst>
+                    <a:ext uri="{9D8B030D-6E8A-4147-A177-3AD203B41FA5}">
+                      <a16:colId xmlns:a16="http://schemas.microsoft.com/office/drawing/2014/main" val="555451426"/>
+                    </a:ext>
+                  </a:extLst>
+                </a:gridCol>
+                <a:gridCol w="2709333">
+                  <a:extLst>
+                    <a:ext uri="{9D8B030D-6E8A-4147-A177-3AD203B41FA5}">
+                      <a16:colId xmlns:a16="http://schemas.microsoft.com/office/drawing/2014/main" val="4013889762"/>
+                    </a:ext>
+                  </a:extLst>
+                </a:gridCol>
+                <a:gridCol w="2709333">
+                  <a:extLst>
+                    <a:ext uri="{9D8B030D-6E8A-4147-A177-3AD203B41FA5}">
+                      <a16:colId xmlns:a16="http://schemas.microsoft.com/office/drawing/2014/main" val="3760255570"/>
+                    </a:ext>
+                  </a:extLst>
+                </a:gridCol>
+              </a:tblGrid>
+              <a:tr h="370840">
+                <a:tc>
+                  <a:txBody>
+                    <a:bodyPr/>
+                    <a:lstStyle/>
+                    <a:p>
+                      <a:endParaRPr lang="zh-TW" altLang="en-US"/>
+                    </a:p>
+                  </a:txBody>
+                  <a:tcPr/>
+                </a:tc>
+                <a:tc>
+                  <a:txBody>
+                    <a:bodyPr/>
+                    <a:lstStyle/>
+                    <a:p>
+                      <a:r>
+                        <a:rPr lang="en-US" altLang="zh-TW" dirty="0"/>
+                        <a:t>MGD without Third Term</a:t>
+                      </a:r>
+                      <a:endParaRPr lang="zh-TW" altLang="en-US" dirty="0"/>
+                    </a:p>
+                  </a:txBody>
+                  <a:tcPr/>
+                </a:tc>
+                <a:tc>
+                  <a:txBody>
+                    <a:bodyPr/>
+                    <a:lstStyle/>
+                    <a:p>
+                      <a:r>
+                        <a:rPr lang="en-US" altLang="zh-TW" dirty="0"/>
+                        <a:t>MGD with Third Term</a:t>
+                      </a:r>
+                      <a:endParaRPr lang="zh-TW" altLang="en-US" dirty="0"/>
+                    </a:p>
+                  </a:txBody>
+                  <a:tcPr/>
+                </a:tc>
+                <a:extLst>
+                  <a:ext uri="{0D108BD9-81ED-4DB2-BD59-A6C34878D82A}">
+                    <a16:rowId xmlns:a16="http://schemas.microsoft.com/office/drawing/2014/main" val="892941417"/>
+                  </a:ext>
+                </a:extLst>
+              </a:tr>
+              <a:tr h="370840">
+                <a:tc>
+                  <a:txBody>
+                    <a:bodyPr/>
+                    <a:lstStyle/>
+                    <a:p>
+                      <a:r>
+                        <a:rPr lang="en-US" altLang="zh-TW" dirty="0"/>
+                        <a:t>Average iteration number</a:t>
+                      </a:r>
+                      <a:endParaRPr lang="zh-TW" altLang="en-US" dirty="0"/>
+                    </a:p>
+                  </a:txBody>
+                  <a:tcPr/>
+                </a:tc>
+                <a:tc>
+                  <a:txBody>
+                    <a:bodyPr/>
+                    <a:lstStyle/>
+                    <a:p>
+                      <a:r>
+                        <a:rPr lang="en-US" altLang="zh-TW" dirty="0"/>
+                        <a:t>85.6</a:t>
+                      </a:r>
+                      <a:endParaRPr lang="zh-TW" altLang="en-US" dirty="0"/>
+                    </a:p>
+                  </a:txBody>
+                  <a:tcPr/>
+                </a:tc>
+                <a:tc>
+                  <a:txBody>
+                    <a:bodyPr/>
+                    <a:lstStyle/>
+                    <a:p>
+                      <a:r>
+                        <a:rPr lang="en-US" altLang="zh-TW" dirty="0"/>
+                        <a:t>86.3</a:t>
+                      </a:r>
+                      <a:endParaRPr lang="zh-TW" altLang="en-US" dirty="0"/>
+                    </a:p>
+                  </a:txBody>
+                  <a:tcPr/>
+                </a:tc>
+                <a:extLst>
+                  <a:ext uri="{0D108BD9-81ED-4DB2-BD59-A6C34878D82A}">
+                    <a16:rowId xmlns:a16="http://schemas.microsoft.com/office/drawing/2014/main" val="459548575"/>
+                  </a:ext>
+                </a:extLst>
+              </a:tr>
+              <a:tr h="370840">
+                <a:tc>
+                  <a:txBody>
+                    <a:bodyPr/>
+                    <a:lstStyle/>
+                    <a:p>
+                      <a:r>
+                        <a:rPr lang="en-US" altLang="zh-TW" dirty="0"/>
+                        <a:t>Average time</a:t>
+                      </a:r>
+                      <a:endParaRPr lang="zh-TW" altLang="en-US" dirty="0"/>
+                    </a:p>
+                  </a:txBody>
+                  <a:tcPr/>
+                </a:tc>
+                <a:tc>
+                  <a:txBody>
+                    <a:bodyPr/>
+                    <a:lstStyle/>
+                    <a:p>
+                      <a:r>
+                        <a:rPr lang="en-US" altLang="zh-TW" dirty="0"/>
+                        <a:t>0.0196</a:t>
+                      </a:r>
+                      <a:endParaRPr lang="zh-TW" altLang="en-US" dirty="0"/>
+                    </a:p>
+                  </a:txBody>
+                  <a:tcPr/>
+                </a:tc>
+                <a:tc>
+                  <a:txBody>
+                    <a:bodyPr/>
+                    <a:lstStyle/>
+                    <a:p>
+                      <a:r>
+                        <a:rPr lang="en-US" altLang="zh-TW" dirty="0"/>
+                        <a:t>0.0260</a:t>
+                      </a:r>
+                      <a:endParaRPr lang="zh-TW" altLang="en-US" dirty="0"/>
+                    </a:p>
+                  </a:txBody>
+                  <a:tcPr/>
+                </a:tc>
+                <a:extLst>
+                  <a:ext uri="{0D108BD9-81ED-4DB2-BD59-A6C34878D82A}">
+                    <a16:rowId xmlns:a16="http://schemas.microsoft.com/office/drawing/2014/main" val="734208586"/>
+                  </a:ext>
+                </a:extLst>
+              </a:tr>
+            </a:tbl>
+          </a:graphicData>
+        </a:graphic>
+      </p:graphicFrame>
+    </p:spTree>
+    <p:extLst>
+      <p:ext uri="{BB962C8B-B14F-4D97-AF65-F5344CB8AC3E}">
+        <p14:creationId xmlns:p14="http://schemas.microsoft.com/office/powerpoint/2010/main" val="3118915119"/>
+      </p:ext>
+    </p:extLst>
+  </p:cSld>
+  <p:clrMapOvr>
+    <a:masterClrMapping/>
+  </p:clrMapOvr>
+</p:sld>
+</file>
+
+<file path=ppt/slides/slide9.xml><?xml version="1.0" encoding="utf-8"?>
+<p:sld xmlns:a="http://schemas.openxmlformats.org/drawingml/2006/main" xmlns:r="http://schemas.openxmlformats.org/officeDocument/2006/relationships" xmlns:p="http://schemas.openxmlformats.org/presentationml/2006/main">
+  <p:cSld>
+    <p:spTree>
+      <p:nvGrpSpPr>
+        <p:cNvPr id="1" name="">
+          <a:extLst>
+            <a:ext uri="{FF2B5EF4-FFF2-40B4-BE49-F238E27FC236}">
+              <a16:creationId xmlns:a16="http://schemas.microsoft.com/office/drawing/2014/main" id="{95A7048C-A4AD-27CA-6AF1-FEA710256111}"/>
+            </a:ext>
+          </a:extLst>
+        </p:cNvPr>
+        <p:cNvGrpSpPr/>
+        <p:nvPr/>
+      </p:nvGrpSpPr>
+      <p:grpSpPr>
+        <a:xfrm>
+          <a:off x="0" y="0"/>
+          <a:ext cx="0" cy="0"/>
+          <a:chOff x="0" y="0"/>
+          <a:chExt cx="0" cy="0"/>
+        </a:xfrm>
+      </p:grpSpPr>
+      <p:sp>
+        <p:nvSpPr>
+          <p:cNvPr id="2" name="標題 1">
+            <a:extLst>
+              <a:ext uri="{FF2B5EF4-FFF2-40B4-BE49-F238E27FC236}">
+                <a16:creationId xmlns:a16="http://schemas.microsoft.com/office/drawing/2014/main" id="{A79CA459-BF0E-B6C1-C535-58F9F64B4DAD}"/>
+              </a:ext>
+            </a:extLst>
+          </p:cNvPr>
+          <p:cNvSpPr>
+            <a:spLocks noGrp="1"/>
+          </p:cNvSpPr>
+          <p:nvPr>
+            <p:ph type="title"/>
+          </p:nvPr>
+        </p:nvSpPr>
+        <p:spPr/>
+        <p:txBody>
+          <a:bodyPr/>
+          <a:lstStyle/>
+          <a:p>
+            <a:r>
+              <a:rPr lang="en-US" altLang="zh-TW" dirty="0"/>
+              <a:t>Newton and L-BFGS-B</a:t>
+            </a:r>
+            <a:endParaRPr lang="zh-TW" altLang="en-US" dirty="0"/>
+          </a:p>
+        </p:txBody>
+      </p:sp>
+      <p:sp>
+        <p:nvSpPr>
+          <p:cNvPr id="3" name="內容版面配置區 2">
+            <a:extLst>
+              <a:ext uri="{FF2B5EF4-FFF2-40B4-BE49-F238E27FC236}">
+                <a16:creationId xmlns:a16="http://schemas.microsoft.com/office/drawing/2014/main" id="{2DB4696C-4F0B-7A8A-8791-95E5548AC69F}"/>
+              </a:ext>
+            </a:extLst>
+          </p:cNvPr>
+          <p:cNvSpPr>
+            <a:spLocks noGrp="1"/>
+          </p:cNvSpPr>
+          <p:nvPr>
+            <p:ph idx="1"/>
+          </p:nvPr>
+        </p:nvSpPr>
+        <p:spPr/>
+        <p:txBody>
+          <a:bodyPr>
+            <a:normAutofit/>
+          </a:bodyPr>
+          <a:lstStyle/>
+          <a:p>
+            <a:r>
+              <a:rPr lang="en-US" altLang="zh-TW" dirty="0"/>
+              <a:t>Comparison by solution size:</a:t>
+            </a:r>
+          </a:p>
+          <a:p>
+            <a:endParaRPr lang="en-US" altLang="zh-TW" dirty="0"/>
+          </a:p>
+          <a:p>
+            <a:pPr marL="0" indent="0">
+              <a:buNone/>
+            </a:pPr>
+            <a:endParaRPr lang="en-US" altLang="zh-TW" dirty="0"/>
+          </a:p>
+          <a:p>
+            <a:endParaRPr lang="en-US" altLang="zh-TW" dirty="0"/>
+          </a:p>
+          <a:p>
+            <a:endParaRPr lang="en-US" altLang="zh-TW" dirty="0"/>
+          </a:p>
+          <a:p>
+            <a:r>
+              <a:rPr lang="en-US" altLang="zh-TW" dirty="0"/>
+              <a:t>Comparison by iteration number/time:</a:t>
+            </a:r>
+            <a:br>
+              <a:rPr lang="en-US" altLang="zh-TW" dirty="0"/>
+            </a:br>
+            <a:endParaRPr lang="en-US" altLang="zh-TW" dirty="0"/>
+          </a:p>
+          <a:p>
+            <a:pPr marL="0" indent="0">
+              <a:buNone/>
+            </a:pPr>
+            <a:endParaRPr lang="en-US" altLang="zh-TW" dirty="0"/>
+          </a:p>
+        </p:txBody>
+      </p:sp>
+      <p:graphicFrame>
+        <p:nvGraphicFramePr>
+          <p:cNvPr id="4" name="表格 3">
+            <a:extLst>
+              <a:ext uri="{FF2B5EF4-FFF2-40B4-BE49-F238E27FC236}">
+                <a16:creationId xmlns:a16="http://schemas.microsoft.com/office/drawing/2014/main" id="{0FC4BF42-9E9D-12CD-DCDB-F5C7DC7945DB}"/>
+              </a:ext>
+            </a:extLst>
+          </p:cNvPr>
+          <p:cNvGraphicFramePr>
+            <a:graphicFrameLocks noGrp="1"/>
+          </p:cNvGraphicFramePr>
+          <p:nvPr/>
+        </p:nvGraphicFramePr>
+        <p:xfrm>
+          <a:off x="2032000" y="2456542"/>
+          <a:ext cx="8127999" cy="741680"/>
+        </p:xfrm>
+        <a:graphic>
+          <a:graphicData uri="http://schemas.openxmlformats.org/drawingml/2006/table">
+            <a:tbl>
+              <a:tblPr firstRow="1" bandRow="1">
+                <a:tableStyleId>{5C22544A-7EE6-4342-B048-85BDC9FD1C3A}</a:tableStyleId>
+              </a:tblPr>
+              <a:tblGrid>
+                <a:gridCol w="2709333">
+                  <a:extLst>
+                    <a:ext uri="{9D8B030D-6E8A-4147-A177-3AD203B41FA5}">
+                      <a16:colId xmlns:a16="http://schemas.microsoft.com/office/drawing/2014/main" val="1137687080"/>
+                    </a:ext>
+                  </a:extLst>
+                </a:gridCol>
+                <a:gridCol w="2709333">
+                  <a:extLst>
+                    <a:ext uri="{9D8B030D-6E8A-4147-A177-3AD203B41FA5}">
+                      <a16:colId xmlns:a16="http://schemas.microsoft.com/office/drawing/2014/main" val="2401450724"/>
+                    </a:ext>
+                  </a:extLst>
+                </a:gridCol>
+                <a:gridCol w="2709333">
+                  <a:extLst>
+                    <a:ext uri="{9D8B030D-6E8A-4147-A177-3AD203B41FA5}">
+                      <a16:colId xmlns:a16="http://schemas.microsoft.com/office/drawing/2014/main" val="1041712111"/>
+                    </a:ext>
+                  </a:extLst>
+                </a:gridCol>
+              </a:tblGrid>
+              <a:tr h="370840">
+                <a:tc>
+                  <a:txBody>
+                    <a:bodyPr/>
+                    <a:lstStyle/>
+                    <a:p>
+                      <a:r>
+                        <a:rPr lang="en-US" altLang="zh-TW" dirty="0"/>
+                        <a:t>L-BFGS-B &gt; Newton</a:t>
+                      </a:r>
+                      <a:endParaRPr lang="zh-TW" altLang="en-US" dirty="0"/>
+                    </a:p>
+                  </a:txBody>
+                  <a:tcPr/>
+                </a:tc>
+                <a:tc>
+                  <a:txBody>
+                    <a:bodyPr/>
+                    <a:lstStyle/>
+                    <a:p>
+                      <a:r>
+                        <a:rPr lang="en-US" altLang="zh-TW" dirty="0"/>
+                        <a:t>Tie</a:t>
+                      </a:r>
+                      <a:endParaRPr lang="zh-TW" altLang="en-US" dirty="0"/>
+                    </a:p>
+                  </a:txBody>
+                  <a:tcPr/>
+                </a:tc>
+                <a:tc>
+                  <a:txBody>
+                    <a:bodyPr/>
+                    <a:lstStyle/>
+                    <a:p>
+                      <a:pPr marL="0" marR="0" lvl="0" indent="0" algn="l" defTabSz="914400" rtl="0" eaLnBrk="1" fontAlgn="auto" latinLnBrk="0" hangingPunct="1">
+                        <a:lnSpc>
+                          <a:spcPct val="100000"/>
+                        </a:lnSpc>
+                        <a:spcBef>
+                          <a:spcPts val="0"/>
+                        </a:spcBef>
+                        <a:spcAft>
+                          <a:spcPts val="0"/>
+                        </a:spcAft>
+                        <a:buClrTx/>
+                        <a:buSzTx/>
+                        <a:buFontTx/>
+                        <a:buNone/>
+                        <a:tabLst/>
+                        <a:defRPr/>
+                      </a:pPr>
+                      <a:r>
+                        <a:rPr lang="en-US" altLang="zh-TW" dirty="0"/>
+                        <a:t>L-BFGS-B &lt; Newton</a:t>
+                      </a:r>
+                      <a:endParaRPr lang="zh-TW" altLang="en-US" dirty="0"/>
+                    </a:p>
+                  </a:txBody>
+                  <a:tcPr/>
+                </a:tc>
+                <a:extLst>
+                  <a:ext uri="{0D108BD9-81ED-4DB2-BD59-A6C34878D82A}">
+                    <a16:rowId xmlns:a16="http://schemas.microsoft.com/office/drawing/2014/main" val="4148947666"/>
+                  </a:ext>
+                </a:extLst>
+              </a:tr>
+              <a:tr h="370840">
+                <a:tc>
+                  <a:txBody>
+                    <a:bodyPr/>
+                    <a:lstStyle/>
+                    <a:p>
+                      <a:r>
+                        <a:rPr lang="en-US" altLang="zh-TW" dirty="0"/>
+                        <a:t>13</a:t>
+                      </a:r>
+                      <a:endParaRPr lang="zh-TW" altLang="en-US" dirty="0"/>
+                    </a:p>
+                  </a:txBody>
+                  <a:tcPr/>
+                </a:tc>
+                <a:tc>
+                  <a:txBody>
+                    <a:bodyPr/>
+                    <a:lstStyle/>
+                    <a:p>
+                      <a:r>
+                        <a:rPr lang="en-US" altLang="zh-TW" dirty="0"/>
+                        <a:t>32</a:t>
+                      </a:r>
+                      <a:endParaRPr lang="zh-TW" altLang="en-US" dirty="0"/>
+                    </a:p>
+                  </a:txBody>
+                  <a:tcPr/>
+                </a:tc>
+                <a:tc>
+                  <a:txBody>
+                    <a:bodyPr/>
+                    <a:lstStyle/>
+                    <a:p>
+                      <a:r>
+                        <a:rPr lang="en-US" altLang="zh-TW" dirty="0"/>
+                        <a:t>5</a:t>
+                      </a:r>
+                      <a:endParaRPr lang="zh-TW" altLang="en-US" dirty="0"/>
+                    </a:p>
+                  </a:txBody>
+                  <a:tcPr/>
+                </a:tc>
+                <a:extLst>
+                  <a:ext uri="{0D108BD9-81ED-4DB2-BD59-A6C34878D82A}">
+                    <a16:rowId xmlns:a16="http://schemas.microsoft.com/office/drawing/2014/main" val="2921533846"/>
+                  </a:ext>
+                </a:extLst>
+              </a:tr>
+            </a:tbl>
+          </a:graphicData>
+        </a:graphic>
+      </p:graphicFrame>
+      <p:graphicFrame>
+        <p:nvGraphicFramePr>
+          <p:cNvPr id="5" name="表格 4">
+            <a:extLst>
+              <a:ext uri="{FF2B5EF4-FFF2-40B4-BE49-F238E27FC236}">
+                <a16:creationId xmlns:a16="http://schemas.microsoft.com/office/drawing/2014/main" id="{588C69BC-A5A3-8FC3-5F66-6E1B7BCBDD14}"/>
+              </a:ext>
+            </a:extLst>
+          </p:cNvPr>
+          <p:cNvGraphicFramePr>
+            <a:graphicFrameLocks noGrp="1"/>
+          </p:cNvGraphicFramePr>
+          <p:nvPr>
+            <p:extLst>
+              <p:ext uri="{D42A27DB-BD31-4B8C-83A1-F6EECF244321}">
+                <p14:modId xmlns:p14="http://schemas.microsoft.com/office/powerpoint/2010/main" val="211924077"/>
+              </p:ext>
+            </p:extLst>
+          </p:nvPr>
+        </p:nvGraphicFramePr>
+        <p:xfrm>
+          <a:off x="2031999" y="3429000"/>
+          <a:ext cx="8127999" cy="741680"/>
+        </p:xfrm>
+        <a:graphic>
+          <a:graphicData uri="http://schemas.openxmlformats.org/drawingml/2006/table">
+            <a:tbl>
+              <a:tblPr firstRow="1" bandRow="1">
+                <a:tableStyleId>{5C22544A-7EE6-4342-B048-85BDC9FD1C3A}</a:tableStyleId>
+              </a:tblPr>
+              <a:tblGrid>
+                <a:gridCol w="2709333">
+                  <a:extLst>
+                    <a:ext uri="{9D8B030D-6E8A-4147-A177-3AD203B41FA5}">
+                      <a16:colId xmlns:a16="http://schemas.microsoft.com/office/drawing/2014/main" val="2569595802"/>
+                    </a:ext>
+                  </a:extLst>
+                </a:gridCol>
+                <a:gridCol w="2709333">
+                  <a:extLst>
+                    <a:ext uri="{9D8B030D-6E8A-4147-A177-3AD203B41FA5}">
+                      <a16:colId xmlns:a16="http://schemas.microsoft.com/office/drawing/2014/main" val="1635722179"/>
+                    </a:ext>
+                  </a:extLst>
+                </a:gridCol>
+                <a:gridCol w="2709333">
+                  <a:extLst>
+                    <a:ext uri="{9D8B030D-6E8A-4147-A177-3AD203B41FA5}">
+                      <a16:colId xmlns:a16="http://schemas.microsoft.com/office/drawing/2014/main" val="3556533337"/>
+                    </a:ext>
+                  </a:extLst>
+                </a:gridCol>
+              </a:tblGrid>
+              <a:tr h="370840">
+                <a:tc>
+                  <a:txBody>
+                    <a:bodyPr/>
+                    <a:lstStyle/>
+                    <a:p>
+                      <a:endParaRPr lang="zh-TW" altLang="en-US" dirty="0"/>
+                    </a:p>
+                  </a:txBody>
+                  <a:tcPr/>
+                </a:tc>
+                <a:tc>
+                  <a:txBody>
+                    <a:bodyPr/>
+                    <a:lstStyle/>
+                    <a:p>
+                      <a:r>
+                        <a:rPr lang="en-US" altLang="zh-TW" dirty="0"/>
+                        <a:t>L-BFGS-B</a:t>
+                      </a:r>
+                      <a:endParaRPr lang="zh-TW" altLang="en-US" dirty="0"/>
+                    </a:p>
+                  </a:txBody>
+                  <a:tcPr/>
+                </a:tc>
+                <a:tc>
+                  <a:txBody>
+                    <a:bodyPr/>
+                    <a:lstStyle/>
+                    <a:p>
+                      <a:r>
+                        <a:rPr lang="en-US" altLang="zh-TW" dirty="0"/>
+                        <a:t>Newton</a:t>
+                      </a:r>
+                      <a:endParaRPr lang="zh-TW" altLang="en-US" dirty="0"/>
+                    </a:p>
+                  </a:txBody>
+                  <a:tcPr/>
+                </a:tc>
+                <a:extLst>
+                  <a:ext uri="{0D108BD9-81ED-4DB2-BD59-A6C34878D82A}">
+                    <a16:rowId xmlns:a16="http://schemas.microsoft.com/office/drawing/2014/main" val="330757575"/>
+                  </a:ext>
+                </a:extLst>
+              </a:tr>
+              <a:tr h="370840">
+                <a:tc>
+                  <a:txBody>
+                    <a:bodyPr/>
+                    <a:lstStyle/>
+                    <a:p>
+                      <a:r>
+                        <a:rPr lang="en-US" altLang="zh-TW" dirty="0"/>
+                        <a:t>Average solution size</a:t>
+                      </a:r>
+                      <a:endParaRPr lang="zh-TW" altLang="en-US" dirty="0"/>
+                    </a:p>
+                  </a:txBody>
+                  <a:tcPr/>
+                </a:tc>
+                <a:tc>
+                  <a:txBody>
+                    <a:bodyPr/>
+                    <a:lstStyle/>
+                    <a:p>
+                      <a:r>
+                        <a:rPr lang="en-US" altLang="zh-TW" dirty="0"/>
+                        <a:t>11.26</a:t>
+                      </a:r>
+                      <a:endParaRPr lang="zh-TW" altLang="en-US" dirty="0"/>
+                    </a:p>
+                  </a:txBody>
+                  <a:tcPr/>
+                </a:tc>
+                <a:tc>
+                  <a:txBody>
+                    <a:bodyPr/>
+                    <a:lstStyle/>
+                    <a:p>
+                      <a:r>
+                        <a:rPr lang="en-US" altLang="zh-TW" dirty="0"/>
+                        <a:t>10.96</a:t>
+                      </a:r>
+                      <a:endParaRPr lang="zh-TW" altLang="en-US" dirty="0"/>
+                    </a:p>
+                  </a:txBody>
+                  <a:tcPr/>
+                </a:tc>
+                <a:extLst>
+                  <a:ext uri="{0D108BD9-81ED-4DB2-BD59-A6C34878D82A}">
+                    <a16:rowId xmlns:a16="http://schemas.microsoft.com/office/drawing/2014/main" val="333671337"/>
+                  </a:ext>
+                </a:extLst>
+              </a:tr>
+            </a:tbl>
+          </a:graphicData>
+        </a:graphic>
+      </p:graphicFrame>
+      <p:graphicFrame>
+        <p:nvGraphicFramePr>
+          <p:cNvPr id="6" name="表格 5">
+            <a:extLst>
+              <a:ext uri="{FF2B5EF4-FFF2-40B4-BE49-F238E27FC236}">
+                <a16:creationId xmlns:a16="http://schemas.microsoft.com/office/drawing/2014/main" id="{6FAAE120-C8E8-5D6A-1603-7CDC3401E845}"/>
+              </a:ext>
+            </a:extLst>
+          </p:cNvPr>
+          <p:cNvGraphicFramePr>
+            <a:graphicFrameLocks noGrp="1"/>
+          </p:cNvGraphicFramePr>
+          <p:nvPr>
+            <p:extLst>
+              <p:ext uri="{D42A27DB-BD31-4B8C-83A1-F6EECF244321}">
+                <p14:modId xmlns:p14="http://schemas.microsoft.com/office/powerpoint/2010/main" val="3487023369"/>
+              </p:ext>
+            </p:extLst>
+          </p:nvPr>
+        </p:nvGraphicFramePr>
+        <p:xfrm>
+          <a:off x="2032000" y="4972352"/>
+          <a:ext cx="8127999" cy="1112520"/>
+        </p:xfrm>
+        <a:graphic>
+          <a:graphicData uri="http://schemas.openxmlformats.org/drawingml/2006/table">
+            <a:tbl>
+              <a:tblPr firstRow="1" bandRow="1">
+                <a:tableStyleId>{5C22544A-7EE6-4342-B048-85BDC9FD1C3A}</a:tableStyleId>
+              </a:tblPr>
+              <a:tblGrid>
+                <a:gridCol w="2709333">
+                  <a:extLst>
+                    <a:ext uri="{9D8B030D-6E8A-4147-A177-3AD203B41FA5}">
+                      <a16:colId xmlns:a16="http://schemas.microsoft.com/office/drawing/2014/main" val="555451426"/>
+                    </a:ext>
+                  </a:extLst>
+                </a:gridCol>
+                <a:gridCol w="2709333">
+                  <a:extLst>
+                    <a:ext uri="{9D8B030D-6E8A-4147-A177-3AD203B41FA5}">
+                      <a16:colId xmlns:a16="http://schemas.microsoft.com/office/drawing/2014/main" val="4013889762"/>
+                    </a:ext>
+                  </a:extLst>
+                </a:gridCol>
+                <a:gridCol w="2709333">
+                  <a:extLst>
+                    <a:ext uri="{9D8B030D-6E8A-4147-A177-3AD203B41FA5}">
+                      <a16:colId xmlns:a16="http://schemas.microsoft.com/office/drawing/2014/main" val="3760255570"/>
+                    </a:ext>
+                  </a:extLst>
+                </a:gridCol>
+              </a:tblGrid>
+              <a:tr h="370840">
+                <a:tc>
+                  <a:txBody>
+                    <a:bodyPr/>
+                    <a:lstStyle/>
+                    <a:p>
+                      <a:endParaRPr lang="zh-TW" altLang="en-US"/>
+                    </a:p>
+                  </a:txBody>
+                  <a:tcPr/>
+                </a:tc>
+                <a:tc>
+                  <a:txBody>
+                    <a:bodyPr/>
+                    <a:lstStyle/>
+                    <a:p>
+                      <a:pPr marL="0" marR="0" lvl="0" indent="0" algn="l" defTabSz="914400" rtl="0" eaLnBrk="1" fontAlgn="auto" latinLnBrk="0" hangingPunct="1">
+                        <a:lnSpc>
+                          <a:spcPct val="100000"/>
+                        </a:lnSpc>
+                        <a:spcBef>
+                          <a:spcPts val="0"/>
+                        </a:spcBef>
+                        <a:spcAft>
+                          <a:spcPts val="0"/>
+                        </a:spcAft>
+                        <a:buClrTx/>
+                        <a:buSzTx/>
+                        <a:buFontTx/>
+                        <a:buNone/>
+                        <a:tabLst/>
+                        <a:defRPr/>
+                      </a:pPr>
+                      <a:r>
+                        <a:rPr lang="en-US" altLang="zh-TW" dirty="0"/>
+                        <a:t>L-BFGS-B</a:t>
+                      </a:r>
+                      <a:endParaRPr lang="zh-TW" altLang="en-US" dirty="0"/>
+                    </a:p>
+                  </a:txBody>
+                  <a:tcPr/>
+                </a:tc>
+                <a:tc>
+                  <a:txBody>
+                    <a:bodyPr/>
+                    <a:lstStyle/>
+                    <a:p>
+                      <a:pPr marL="0" marR="0" lvl="0" indent="0" algn="l" defTabSz="914400" rtl="0" eaLnBrk="1" fontAlgn="auto" latinLnBrk="0" hangingPunct="1">
+                        <a:lnSpc>
+                          <a:spcPct val="100000"/>
+                        </a:lnSpc>
+                        <a:spcBef>
+                          <a:spcPts val="0"/>
+                        </a:spcBef>
+                        <a:spcAft>
+                          <a:spcPts val="0"/>
+                        </a:spcAft>
+                        <a:buClrTx/>
+                        <a:buSzTx/>
+                        <a:buFontTx/>
+                        <a:buNone/>
+                        <a:tabLst/>
+                        <a:defRPr/>
+                      </a:pPr>
+                      <a:r>
+                        <a:rPr lang="en-US" altLang="zh-TW" dirty="0"/>
+                        <a:t>Newton</a:t>
+                      </a:r>
+                      <a:endParaRPr lang="zh-TW" altLang="en-US" dirty="0"/>
+                    </a:p>
+                  </a:txBody>
+                  <a:tcPr/>
+                </a:tc>
+                <a:extLst>
+                  <a:ext uri="{0D108BD9-81ED-4DB2-BD59-A6C34878D82A}">
+                    <a16:rowId xmlns:a16="http://schemas.microsoft.com/office/drawing/2014/main" val="892941417"/>
+                  </a:ext>
+                </a:extLst>
+              </a:tr>
+              <a:tr h="370840">
+                <a:tc>
+                  <a:txBody>
+                    <a:bodyPr/>
+                    <a:lstStyle/>
+                    <a:p>
+                      <a:r>
+                        <a:rPr lang="en-US" altLang="zh-TW" dirty="0"/>
+                        <a:t>Average iteration number</a:t>
+                      </a:r>
+                      <a:endParaRPr lang="zh-TW" altLang="en-US" dirty="0"/>
+                    </a:p>
+                  </a:txBody>
+                  <a:tcPr/>
+                </a:tc>
+                <a:tc>
+                  <a:txBody>
+                    <a:bodyPr/>
+                    <a:lstStyle/>
+                    <a:p>
+                      <a:r>
+                        <a:rPr lang="en-US" altLang="zh-TW" dirty="0"/>
+                        <a:t>167.1</a:t>
+                      </a:r>
+                      <a:endParaRPr lang="zh-TW" altLang="en-US" dirty="0"/>
+                    </a:p>
+                  </a:txBody>
+                  <a:tcPr/>
+                </a:tc>
+                <a:tc>
+                  <a:txBody>
+                    <a:bodyPr/>
+                    <a:lstStyle/>
+                    <a:p>
+                      <a:r>
+                        <a:rPr lang="en-US" altLang="zh-TW" dirty="0"/>
+                        <a:t>76.3</a:t>
+                      </a:r>
+                      <a:endParaRPr lang="zh-TW" altLang="en-US" dirty="0"/>
+                    </a:p>
+                  </a:txBody>
+                  <a:tcPr/>
+                </a:tc>
+                <a:extLst>
+                  <a:ext uri="{0D108BD9-81ED-4DB2-BD59-A6C34878D82A}">
+                    <a16:rowId xmlns:a16="http://schemas.microsoft.com/office/drawing/2014/main" val="459548575"/>
+                  </a:ext>
+                </a:extLst>
+              </a:tr>
+              <a:tr h="370840">
+                <a:tc>
+                  <a:txBody>
+                    <a:bodyPr/>
+                    <a:lstStyle/>
+                    <a:p>
+                      <a:r>
+                        <a:rPr lang="en-US" altLang="zh-TW" dirty="0"/>
+                        <a:t>Average time</a:t>
+                      </a:r>
+                      <a:endParaRPr lang="zh-TW" altLang="en-US" dirty="0"/>
+                    </a:p>
+                  </a:txBody>
+                  <a:tcPr/>
+                </a:tc>
+                <a:tc>
+                  <a:txBody>
+                    <a:bodyPr/>
+                    <a:lstStyle/>
+                    <a:p>
+                      <a:r>
+                        <a:rPr lang="en-US" altLang="zh-TW" dirty="0"/>
+                        <a:t>0.7411</a:t>
+                      </a:r>
+                      <a:endParaRPr lang="zh-TW" altLang="en-US" dirty="0"/>
+                    </a:p>
+                  </a:txBody>
+                  <a:tcPr/>
+                </a:tc>
+                <a:tc>
+                  <a:txBody>
+                    <a:bodyPr/>
+                    <a:lstStyle/>
+                    <a:p>
+                      <a:r>
+                        <a:rPr lang="en-US" altLang="zh-TW" dirty="0"/>
+                        <a:t>0.1350</a:t>
+                      </a:r>
+                      <a:endParaRPr lang="zh-TW" altLang="en-US" dirty="0"/>
+                    </a:p>
+                  </a:txBody>
+                  <a:tcPr/>
+                </a:tc>
+                <a:extLst>
+                  <a:ext uri="{0D108BD9-81ED-4DB2-BD59-A6C34878D82A}">
+                    <a16:rowId xmlns:a16="http://schemas.microsoft.com/office/drawing/2014/main" val="734208586"/>
+                  </a:ext>
+                </a:extLst>
+              </a:tr>
+            </a:tbl>
+          </a:graphicData>
+        </a:graphic>
+      </p:graphicFrame>
+    </p:spTree>
+    <p:extLst>
+      <p:ext uri="{BB962C8B-B14F-4D97-AF65-F5344CB8AC3E}">
+        <p14:creationId xmlns:p14="http://schemas.microsoft.com/office/powerpoint/2010/main" val="861640775"/>
       </p:ext>
     </p:extLst>
   </p:cSld>
